--- a/HTML/ppt/15.pptx
+++ b/HTML/ppt/15.pptx
@@ -116,7 +116,7 @@
   </p:defaultTextStyle>
   <p:extLst>
     <p:ext uri="{EFAFB233-063F-42B5-8137-9DF3F51BA10A}">
-      <p15:sldGuideLst xmlns:p15="http://schemas.microsoft.com/office/powerpoint/2012/main"/>
+      <p15:sldGuideLst xmlns:p15="http://schemas.microsoft.com/office/powerpoint/2012/main" xmlns=""/>
     </p:ext>
   </p:extLst>
 </p:presentation>
@@ -201,7 +201,7 @@
           <a:p>
             <a:fld id="{AA93C23F-80D8-41F7-A602-5BAA4D96D6F7}" type="datetimeFigureOut">
               <a:rPr lang="ko-KR" altLang="en-US" smtClean="0"/>
-              <a:t>2021-02-01</a:t>
+              <a:t>2021-09-24</a:t>
             </a:fld>
             <a:endParaRPr lang="ko-KR" altLang="en-US"/>
           </a:p>
@@ -254,7 +254,7 @@
           <p:cNvPr id="7" name="그림 6">
             <a:extLst>
               <a:ext uri="{FF2B5EF4-FFF2-40B4-BE49-F238E27FC236}">
-                <a16:creationId xmlns:a16="http://schemas.microsoft.com/office/drawing/2014/main" id="{07614ECC-682A-43C2-99CA-0638D3969CAD}"/>
+                <a16:creationId xmlns:a16="http://schemas.microsoft.com/office/drawing/2014/main" xmlns="" id="{07614ECC-682A-43C2-99CA-0638D3969CAD}"/>
               </a:ext>
             </a:extLst>
           </p:cNvPr>
@@ -264,7 +264,7 @@
           <p:nvPr userDrawn="1"/>
         </p:nvPicPr>
         <p:blipFill>
-          <a:blip r:embed="rId2">
+          <a:blip r:embed="rId2" cstate="print">
             <a:extLst>
               <a:ext uri="{28A0092B-C50C-407E-A947-70E740481C1C}">
                 <a14:useLocalDpi xmlns:a14="http://schemas.microsoft.com/office/drawing/2010/main" val="0"/>
@@ -290,7 +290,7 @@
           <p:cNvPr id="12" name="그림 11">
             <a:extLst>
               <a:ext uri="{FF2B5EF4-FFF2-40B4-BE49-F238E27FC236}">
-                <a16:creationId xmlns:a16="http://schemas.microsoft.com/office/drawing/2014/main" id="{2DACDF48-EF40-451F-A48F-AFF99B099716}"/>
+                <a16:creationId xmlns:a16="http://schemas.microsoft.com/office/drawing/2014/main" xmlns="" id="{2DACDF48-EF40-451F-A48F-AFF99B099716}"/>
               </a:ext>
             </a:extLst>
           </p:cNvPr>
@@ -300,7 +300,7 @@
           <p:nvPr userDrawn="1"/>
         </p:nvPicPr>
         <p:blipFill rotWithShape="1">
-          <a:blip r:embed="rId3">
+          <a:blip r:embed="rId3" cstate="print">
             <a:extLst>
               <a:ext uri="{28A0092B-C50C-407E-A947-70E740481C1C}">
                 <a14:useLocalDpi xmlns:a14="http://schemas.microsoft.com/office/drawing/2010/main" val="0"/>
@@ -330,7 +330,7 @@
           <p:cNvPr id="11" name="직사각형 10">
             <a:extLst>
               <a:ext uri="{FF2B5EF4-FFF2-40B4-BE49-F238E27FC236}">
-                <a16:creationId xmlns:a16="http://schemas.microsoft.com/office/drawing/2014/main" id="{4E0D822C-E76D-4041-9019-177102919703}"/>
+                <a16:creationId xmlns:a16="http://schemas.microsoft.com/office/drawing/2014/main" xmlns="" id="{4E0D822C-E76D-4041-9019-177102919703}"/>
               </a:ext>
             </a:extLst>
           </p:cNvPr>
@@ -499,7 +499,7 @@
           <a:p>
             <a:fld id="{AA93C23F-80D8-41F7-A602-5BAA4D96D6F7}" type="datetimeFigureOut">
               <a:rPr lang="ko-KR" altLang="en-US" smtClean="0"/>
-              <a:t>2021-02-01</a:t>
+              <a:t>2021-09-24</a:t>
             </a:fld>
             <a:endParaRPr lang="ko-KR" altLang="en-US"/>
           </a:p>
@@ -677,7 +677,7 @@
           <a:p>
             <a:fld id="{AA93C23F-80D8-41F7-A602-5BAA4D96D6F7}" type="datetimeFigureOut">
               <a:rPr lang="ko-KR" altLang="en-US" smtClean="0"/>
-              <a:t>2021-02-01</a:t>
+              <a:t>2021-09-24</a:t>
             </a:fld>
             <a:endParaRPr lang="ko-KR" altLang="en-US"/>
           </a:p>
@@ -760,7 +760,7 @@
           <p:cNvPr id="2" name="제목 1">
             <a:extLst>
               <a:ext uri="{FF2B5EF4-FFF2-40B4-BE49-F238E27FC236}">
-                <a16:creationId xmlns:a16="http://schemas.microsoft.com/office/drawing/2014/main" id="{1706266A-C624-42C8-B7AE-4176FFA57D3A}"/>
+                <a16:creationId xmlns:a16="http://schemas.microsoft.com/office/drawing/2014/main" xmlns="" id="{1706266A-C624-42C8-B7AE-4176FFA57D3A}"/>
               </a:ext>
             </a:extLst>
           </p:cNvPr>
@@ -797,7 +797,7 @@
           <p:cNvPr id="3" name="부제목 2">
             <a:extLst>
               <a:ext uri="{FF2B5EF4-FFF2-40B4-BE49-F238E27FC236}">
-                <a16:creationId xmlns:a16="http://schemas.microsoft.com/office/drawing/2014/main" id="{CF1E8150-D664-4750-BFAF-800E899E164E}"/>
+                <a16:creationId xmlns:a16="http://schemas.microsoft.com/office/drawing/2014/main" xmlns="" id="{CF1E8150-D664-4750-BFAF-800E899E164E}"/>
               </a:ext>
             </a:extLst>
           </p:cNvPr>
@@ -867,7 +867,7 @@
           <p:cNvPr id="4" name="날짜 개체 틀 3">
             <a:extLst>
               <a:ext uri="{FF2B5EF4-FFF2-40B4-BE49-F238E27FC236}">
-                <a16:creationId xmlns:a16="http://schemas.microsoft.com/office/drawing/2014/main" id="{B77FCA92-17C5-41B3-A975-E0729DBEBFBF}"/>
+                <a16:creationId xmlns:a16="http://schemas.microsoft.com/office/drawing/2014/main" xmlns="" id="{B77FCA92-17C5-41B3-A975-E0729DBEBFBF}"/>
               </a:ext>
             </a:extLst>
           </p:cNvPr>
@@ -885,7 +885,7 @@
           <a:p>
             <a:fld id="{7A0B29D9-43B6-4ACD-848D-FA6E666794B9}" type="datetimeFigureOut">
               <a:rPr lang="ko-KR" altLang="en-US" smtClean="0"/>
-              <a:t>2021-02-01</a:t>
+              <a:t>2021-09-24</a:t>
             </a:fld>
             <a:endParaRPr lang="ko-KR" altLang="en-US"/>
           </a:p>
@@ -896,7 +896,7 @@
           <p:cNvPr id="5" name="바닥글 개체 틀 4">
             <a:extLst>
               <a:ext uri="{FF2B5EF4-FFF2-40B4-BE49-F238E27FC236}">
-                <a16:creationId xmlns:a16="http://schemas.microsoft.com/office/drawing/2014/main" id="{90773A2D-2644-4295-A92E-C83D7ECA0114}"/>
+                <a16:creationId xmlns:a16="http://schemas.microsoft.com/office/drawing/2014/main" xmlns="" id="{90773A2D-2644-4295-A92E-C83D7ECA0114}"/>
               </a:ext>
             </a:extLst>
           </p:cNvPr>
@@ -921,7 +921,7 @@
           <p:cNvPr id="6" name="슬라이드 번호 개체 틀 5">
             <a:extLst>
               <a:ext uri="{FF2B5EF4-FFF2-40B4-BE49-F238E27FC236}">
-                <a16:creationId xmlns:a16="http://schemas.microsoft.com/office/drawing/2014/main" id="{8DB65557-D1D1-44F5-9A09-7A27A7500ACA}"/>
+                <a16:creationId xmlns:a16="http://schemas.microsoft.com/office/drawing/2014/main" xmlns="" id="{8DB65557-D1D1-44F5-9A09-7A27A7500ACA}"/>
               </a:ext>
             </a:extLst>
           </p:cNvPr>
@@ -1081,7 +1081,7 @@
           <a:p>
             <a:fld id="{AA93C23F-80D8-41F7-A602-5BAA4D96D6F7}" type="datetimeFigureOut">
               <a:rPr lang="ko-KR" altLang="en-US" smtClean="0"/>
-              <a:t>2021-02-01</a:t>
+              <a:t>2021-09-24</a:t>
             </a:fld>
             <a:endParaRPr lang="ko-KR" altLang="en-US"/>
           </a:p>
@@ -1326,7 +1326,7 @@
           <a:p>
             <a:fld id="{AA93C23F-80D8-41F7-A602-5BAA4D96D6F7}" type="datetimeFigureOut">
               <a:rPr lang="ko-KR" altLang="en-US" smtClean="0"/>
-              <a:t>2021-02-01</a:t>
+              <a:t>2021-09-24</a:t>
             </a:fld>
             <a:endParaRPr lang="ko-KR" altLang="en-US"/>
           </a:p>
@@ -1555,7 +1555,7 @@
           <a:p>
             <a:fld id="{AA93C23F-80D8-41F7-A602-5BAA4D96D6F7}" type="datetimeFigureOut">
               <a:rPr lang="ko-KR" altLang="en-US" smtClean="0"/>
-              <a:t>2021-02-01</a:t>
+              <a:t>2021-09-24</a:t>
             </a:fld>
             <a:endParaRPr lang="ko-KR" altLang="en-US"/>
           </a:p>
@@ -1919,7 +1919,7 @@
           <a:p>
             <a:fld id="{AA93C23F-80D8-41F7-A602-5BAA4D96D6F7}" type="datetimeFigureOut">
               <a:rPr lang="ko-KR" altLang="en-US" smtClean="0"/>
-              <a:t>2021-02-01</a:t>
+              <a:t>2021-09-24</a:t>
             </a:fld>
             <a:endParaRPr lang="ko-KR" altLang="en-US"/>
           </a:p>
@@ -2041,7 +2041,7 @@
           <a:p>
             <a:fld id="{AA93C23F-80D8-41F7-A602-5BAA4D96D6F7}" type="datetimeFigureOut">
               <a:rPr lang="ko-KR" altLang="en-US" smtClean="0"/>
-              <a:t>2021-02-01</a:t>
+              <a:t>2021-09-24</a:t>
             </a:fld>
             <a:endParaRPr lang="ko-KR" altLang="en-US"/>
           </a:p>
@@ -2136,7 +2136,7 @@
           <a:p>
             <a:fld id="{AA93C23F-80D8-41F7-A602-5BAA4D96D6F7}" type="datetimeFigureOut">
               <a:rPr lang="ko-KR" altLang="en-US" smtClean="0"/>
-              <a:t>2021-02-01</a:t>
+              <a:t>2021-09-24</a:t>
             </a:fld>
             <a:endParaRPr lang="ko-KR" altLang="en-US"/>
           </a:p>
@@ -2411,7 +2411,7 @@
           <a:p>
             <a:fld id="{AA93C23F-80D8-41F7-A602-5BAA4D96D6F7}" type="datetimeFigureOut">
               <a:rPr lang="ko-KR" altLang="en-US" smtClean="0"/>
-              <a:t>2021-02-01</a:t>
+              <a:t>2021-09-24</a:t>
             </a:fld>
             <a:endParaRPr lang="ko-KR" altLang="en-US"/>
           </a:p>
@@ -2666,7 +2666,7 @@
           <a:p>
             <a:fld id="{AA93C23F-80D8-41F7-A602-5BAA4D96D6F7}" type="datetimeFigureOut">
               <a:rPr lang="ko-KR" altLang="en-US" smtClean="0"/>
-              <a:t>2021-02-01</a:t>
+              <a:t>2021-09-24</a:t>
             </a:fld>
             <a:endParaRPr lang="ko-KR" altLang="en-US"/>
           </a:p>
@@ -2754,7 +2754,7 @@
           <p:cNvPr id="7" name="직사각형 6">
             <a:extLst>
               <a:ext uri="{FF2B5EF4-FFF2-40B4-BE49-F238E27FC236}">
-                <a16:creationId xmlns:a16="http://schemas.microsoft.com/office/drawing/2014/main" id="{63317FCE-2A0E-48C2-8A7C-05C172CEA588}"/>
+                <a16:creationId xmlns:a16="http://schemas.microsoft.com/office/drawing/2014/main" xmlns="" id="{63317FCE-2A0E-48C2-8A7C-05C172CEA588}"/>
               </a:ext>
             </a:extLst>
           </p:cNvPr>
@@ -2910,7 +2910,7 @@
           <a:p>
             <a:fld id="{AA93C23F-80D8-41F7-A602-5BAA4D96D6F7}" type="datetimeFigureOut">
               <a:rPr lang="ko-KR" altLang="en-US" smtClean="0"/>
-              <a:t>2021-02-01</a:t>
+              <a:t>2021-09-24</a:t>
             </a:fld>
             <a:endParaRPr lang="ko-KR" altLang="en-US"/>
           </a:p>
@@ -3354,7 +3354,7 @@
           <p:cNvPr id="2" name="제목 1">
             <a:extLst>
               <a:ext uri="{FF2B5EF4-FFF2-40B4-BE49-F238E27FC236}">
-                <a16:creationId xmlns:a16="http://schemas.microsoft.com/office/drawing/2014/main" id="{05C7C753-9F88-4254-9862-F6A87176F751}"/>
+                <a16:creationId xmlns:a16="http://schemas.microsoft.com/office/drawing/2014/main" xmlns="" id="{05C7C753-9F88-4254-9862-F6A87176F751}"/>
               </a:ext>
             </a:extLst>
           </p:cNvPr>
@@ -3386,7 +3386,7 @@
           <p:cNvPr id="7" name="그룹 6">
             <a:extLst>
               <a:ext uri="{FF2B5EF4-FFF2-40B4-BE49-F238E27FC236}">
-                <a16:creationId xmlns:a16="http://schemas.microsoft.com/office/drawing/2014/main" id="{3020E55D-5D6E-47B7-BF49-67DF43FF0CB8}"/>
+                <a16:creationId xmlns:a16="http://schemas.microsoft.com/office/drawing/2014/main" xmlns="" id="{3020E55D-5D6E-47B7-BF49-67DF43FF0CB8}"/>
               </a:ext>
             </a:extLst>
           </p:cNvPr>
@@ -3406,7 +3406,7 @@
             <p:cNvPr id="4" name="직사각형 3">
               <a:extLst>
                 <a:ext uri="{FF2B5EF4-FFF2-40B4-BE49-F238E27FC236}">
-                  <a16:creationId xmlns:a16="http://schemas.microsoft.com/office/drawing/2014/main" id="{7E6505BA-A9A1-46F5-BFC6-A45ABCE494AF}"/>
+                  <a16:creationId xmlns:a16="http://schemas.microsoft.com/office/drawing/2014/main" xmlns="" id="{7E6505BA-A9A1-46F5-BFC6-A45ABCE494AF}"/>
                 </a:ext>
               </a:extLst>
             </p:cNvPr>
@@ -3473,7 +3473,7 @@
             <p:cNvPr id="5" name="TextBox 4">
               <a:extLst>
                 <a:ext uri="{FF2B5EF4-FFF2-40B4-BE49-F238E27FC236}">
-                  <a16:creationId xmlns:a16="http://schemas.microsoft.com/office/drawing/2014/main" id="{2FAFC29B-A5E1-4F15-A5FF-C528129D6456}"/>
+                  <a16:creationId xmlns:a16="http://schemas.microsoft.com/office/drawing/2014/main" xmlns="" id="{2FAFC29B-A5E1-4F15-A5FF-C528129D6456}"/>
                 </a:ext>
               </a:extLst>
             </p:cNvPr>
@@ -3508,7 +3508,7 @@
             <p:cNvPr id="6" name="직선 연결선 5">
               <a:extLst>
                 <a:ext uri="{FF2B5EF4-FFF2-40B4-BE49-F238E27FC236}">
-                  <a16:creationId xmlns:a16="http://schemas.microsoft.com/office/drawing/2014/main" id="{D5239A65-4609-4585-95B3-13DD43DCD16F}"/>
+                  <a16:creationId xmlns:a16="http://schemas.microsoft.com/office/drawing/2014/main" xmlns="" id="{D5239A65-4609-4585-95B3-13DD43DCD16F}"/>
                 </a:ext>
               </a:extLst>
             </p:cNvPr>
@@ -3553,7 +3553,7 @@
           <p:cNvPr id="8" name="그룹 7">
             <a:extLst>
               <a:ext uri="{FF2B5EF4-FFF2-40B4-BE49-F238E27FC236}">
-                <a16:creationId xmlns:a16="http://schemas.microsoft.com/office/drawing/2014/main" id="{286DF1DF-B331-45AB-BAB3-FACE510FA761}"/>
+                <a16:creationId xmlns:a16="http://schemas.microsoft.com/office/drawing/2014/main" xmlns="" id="{286DF1DF-B331-45AB-BAB3-FACE510FA761}"/>
               </a:ext>
             </a:extLst>
           </p:cNvPr>
@@ -3573,7 +3573,7 @@
             <p:cNvPr id="9" name="직사각형 8">
               <a:extLst>
                 <a:ext uri="{FF2B5EF4-FFF2-40B4-BE49-F238E27FC236}">
-                  <a16:creationId xmlns:a16="http://schemas.microsoft.com/office/drawing/2014/main" id="{77EC591C-34A1-49BD-B8D2-59B756F40171}"/>
+                  <a16:creationId xmlns:a16="http://schemas.microsoft.com/office/drawing/2014/main" xmlns="" id="{77EC591C-34A1-49BD-B8D2-59B756F40171}"/>
                 </a:ext>
               </a:extLst>
             </p:cNvPr>
@@ -3640,7 +3640,7 @@
             <p:cNvPr id="10" name="TextBox 9">
               <a:extLst>
                 <a:ext uri="{FF2B5EF4-FFF2-40B4-BE49-F238E27FC236}">
-                  <a16:creationId xmlns:a16="http://schemas.microsoft.com/office/drawing/2014/main" id="{F04791E3-E85A-4CDB-8FEB-82BD867405C9}"/>
+                  <a16:creationId xmlns:a16="http://schemas.microsoft.com/office/drawing/2014/main" xmlns="" id="{F04791E3-E85A-4CDB-8FEB-82BD867405C9}"/>
                 </a:ext>
               </a:extLst>
             </p:cNvPr>
@@ -3679,7 +3679,7 @@
             <p:cNvPr id="11" name="직선 연결선 10">
               <a:extLst>
                 <a:ext uri="{FF2B5EF4-FFF2-40B4-BE49-F238E27FC236}">
-                  <a16:creationId xmlns:a16="http://schemas.microsoft.com/office/drawing/2014/main" id="{698B180B-F31C-4A9D-B2F3-33F6DC22986C}"/>
+                  <a16:creationId xmlns:a16="http://schemas.microsoft.com/office/drawing/2014/main" xmlns="" id="{698B180B-F31C-4A9D-B2F3-33F6DC22986C}"/>
                 </a:ext>
               </a:extLst>
             </p:cNvPr>
@@ -3724,7 +3724,7 @@
           <p:cNvPr id="12" name="그룹 11">
             <a:extLst>
               <a:ext uri="{FF2B5EF4-FFF2-40B4-BE49-F238E27FC236}">
-                <a16:creationId xmlns:a16="http://schemas.microsoft.com/office/drawing/2014/main" id="{9DCE903A-4BC8-40CF-B5DD-044A8683B184}"/>
+                <a16:creationId xmlns:a16="http://schemas.microsoft.com/office/drawing/2014/main" xmlns="" id="{9DCE903A-4BC8-40CF-B5DD-044A8683B184}"/>
               </a:ext>
             </a:extLst>
           </p:cNvPr>
@@ -3744,7 +3744,7 @@
             <p:cNvPr id="13" name="직사각형 12">
               <a:extLst>
                 <a:ext uri="{FF2B5EF4-FFF2-40B4-BE49-F238E27FC236}">
-                  <a16:creationId xmlns:a16="http://schemas.microsoft.com/office/drawing/2014/main" id="{1768F663-0863-43BA-9089-3B3068314FD4}"/>
+                  <a16:creationId xmlns:a16="http://schemas.microsoft.com/office/drawing/2014/main" xmlns="" id="{1768F663-0863-43BA-9089-3B3068314FD4}"/>
                 </a:ext>
               </a:extLst>
             </p:cNvPr>
@@ -3811,7 +3811,7 @@
             <p:cNvPr id="14" name="TextBox 13">
               <a:extLst>
                 <a:ext uri="{FF2B5EF4-FFF2-40B4-BE49-F238E27FC236}">
-                  <a16:creationId xmlns:a16="http://schemas.microsoft.com/office/drawing/2014/main" id="{B523B7C3-DF80-4193-BB93-47742F93D7C3}"/>
+                  <a16:creationId xmlns:a16="http://schemas.microsoft.com/office/drawing/2014/main" xmlns="" id="{B523B7C3-DF80-4193-BB93-47742F93D7C3}"/>
                 </a:ext>
               </a:extLst>
             </p:cNvPr>
@@ -3858,7 +3858,7 @@
             <p:cNvPr id="15" name="직선 연결선 14">
               <a:extLst>
                 <a:ext uri="{FF2B5EF4-FFF2-40B4-BE49-F238E27FC236}">
-                  <a16:creationId xmlns:a16="http://schemas.microsoft.com/office/drawing/2014/main" id="{069BFA8D-E7A3-461F-90FD-50FC95D37A00}"/>
+                  <a16:creationId xmlns:a16="http://schemas.microsoft.com/office/drawing/2014/main" xmlns="" id="{069BFA8D-E7A3-461F-90FD-50FC95D37A00}"/>
                 </a:ext>
               </a:extLst>
             </p:cNvPr>
@@ -3903,7 +3903,7 @@
           <p:cNvPr id="16" name="그룹 15">
             <a:extLst>
               <a:ext uri="{FF2B5EF4-FFF2-40B4-BE49-F238E27FC236}">
-                <a16:creationId xmlns:a16="http://schemas.microsoft.com/office/drawing/2014/main" id="{013326F1-F1DB-4BC6-B4CE-7B42D0C02A87}"/>
+                <a16:creationId xmlns:a16="http://schemas.microsoft.com/office/drawing/2014/main" xmlns="" id="{013326F1-F1DB-4BC6-B4CE-7B42D0C02A87}"/>
               </a:ext>
             </a:extLst>
           </p:cNvPr>
@@ -3923,7 +3923,7 @@
             <p:cNvPr id="17" name="직사각형 16">
               <a:extLst>
                 <a:ext uri="{FF2B5EF4-FFF2-40B4-BE49-F238E27FC236}">
-                  <a16:creationId xmlns:a16="http://schemas.microsoft.com/office/drawing/2014/main" id="{B012C87E-3F40-4582-8184-EB875C533307}"/>
+                  <a16:creationId xmlns:a16="http://schemas.microsoft.com/office/drawing/2014/main" xmlns="" id="{B012C87E-3F40-4582-8184-EB875C533307}"/>
                 </a:ext>
               </a:extLst>
             </p:cNvPr>
@@ -3990,7 +3990,7 @@
             <p:cNvPr id="18" name="TextBox 17">
               <a:extLst>
                 <a:ext uri="{FF2B5EF4-FFF2-40B4-BE49-F238E27FC236}">
-                  <a16:creationId xmlns:a16="http://schemas.microsoft.com/office/drawing/2014/main" id="{FD4A3E09-CFAF-4337-9F2C-BEB1F9E47404}"/>
+                  <a16:creationId xmlns:a16="http://schemas.microsoft.com/office/drawing/2014/main" xmlns="" id="{FD4A3E09-CFAF-4337-9F2C-BEB1F9E47404}"/>
                 </a:ext>
               </a:extLst>
             </p:cNvPr>
@@ -4025,7 +4025,7 @@
             <p:cNvPr id="19" name="직선 연결선 18">
               <a:extLst>
                 <a:ext uri="{FF2B5EF4-FFF2-40B4-BE49-F238E27FC236}">
-                  <a16:creationId xmlns:a16="http://schemas.microsoft.com/office/drawing/2014/main" id="{54584E2A-8B00-404A-A5AF-A8823B3D1D51}"/>
+                  <a16:creationId xmlns:a16="http://schemas.microsoft.com/office/drawing/2014/main" xmlns="" id="{54584E2A-8B00-404A-A5AF-A8823B3D1D51}"/>
                 </a:ext>
               </a:extLst>
             </p:cNvPr>
@@ -4070,7 +4070,7 @@
           <p:cNvPr id="20" name="그룹 19">
             <a:extLst>
               <a:ext uri="{FF2B5EF4-FFF2-40B4-BE49-F238E27FC236}">
-                <a16:creationId xmlns:a16="http://schemas.microsoft.com/office/drawing/2014/main" id="{A68E3D07-E03D-46BE-92B1-B3F769C7D44F}"/>
+                <a16:creationId xmlns:a16="http://schemas.microsoft.com/office/drawing/2014/main" xmlns="" id="{A68E3D07-E03D-46BE-92B1-B3F769C7D44F}"/>
               </a:ext>
             </a:extLst>
           </p:cNvPr>
@@ -4090,7 +4090,7 @@
             <p:cNvPr id="21" name="직사각형 20">
               <a:extLst>
                 <a:ext uri="{FF2B5EF4-FFF2-40B4-BE49-F238E27FC236}">
-                  <a16:creationId xmlns:a16="http://schemas.microsoft.com/office/drawing/2014/main" id="{F28764C4-BBF9-4D6F-8D59-C975581CA625}"/>
+                  <a16:creationId xmlns:a16="http://schemas.microsoft.com/office/drawing/2014/main" xmlns="" id="{F28764C4-BBF9-4D6F-8D59-C975581CA625}"/>
                 </a:ext>
               </a:extLst>
             </p:cNvPr>
@@ -4157,7 +4157,7 @@
             <p:cNvPr id="22" name="TextBox 21">
               <a:extLst>
                 <a:ext uri="{FF2B5EF4-FFF2-40B4-BE49-F238E27FC236}">
-                  <a16:creationId xmlns:a16="http://schemas.microsoft.com/office/drawing/2014/main" id="{2F7B677F-5DB0-4D70-AC91-4E0E3A494170}"/>
+                  <a16:creationId xmlns:a16="http://schemas.microsoft.com/office/drawing/2014/main" xmlns="" id="{2F7B677F-5DB0-4D70-AC91-4E0E3A494170}"/>
                 </a:ext>
               </a:extLst>
             </p:cNvPr>
@@ -4192,7 +4192,7 @@
             <p:cNvPr id="23" name="직선 연결선 22">
               <a:extLst>
                 <a:ext uri="{FF2B5EF4-FFF2-40B4-BE49-F238E27FC236}">
-                  <a16:creationId xmlns:a16="http://schemas.microsoft.com/office/drawing/2014/main" id="{FC53D965-C555-4F9B-88EA-F97CA7F53F7C}"/>
+                  <a16:creationId xmlns:a16="http://schemas.microsoft.com/office/drawing/2014/main" xmlns="" id="{FC53D965-C555-4F9B-88EA-F97CA7F53F7C}"/>
                 </a:ext>
               </a:extLst>
             </p:cNvPr>
@@ -4237,7 +4237,7 @@
           <p:cNvPr id="24" name="그룹 23">
             <a:extLst>
               <a:ext uri="{FF2B5EF4-FFF2-40B4-BE49-F238E27FC236}">
-                <a16:creationId xmlns:a16="http://schemas.microsoft.com/office/drawing/2014/main" id="{7427E647-60F9-4889-BFC9-426791756C0C}"/>
+                <a16:creationId xmlns:a16="http://schemas.microsoft.com/office/drawing/2014/main" xmlns="" id="{7427E647-60F9-4889-BFC9-426791756C0C}"/>
               </a:ext>
             </a:extLst>
           </p:cNvPr>
@@ -4257,7 +4257,7 @@
             <p:cNvPr id="25" name="직사각형 24">
               <a:extLst>
                 <a:ext uri="{FF2B5EF4-FFF2-40B4-BE49-F238E27FC236}">
-                  <a16:creationId xmlns:a16="http://schemas.microsoft.com/office/drawing/2014/main" id="{C4940EFF-F1FE-406A-8C1F-A0C62A5E75F1}"/>
+                  <a16:creationId xmlns:a16="http://schemas.microsoft.com/office/drawing/2014/main" xmlns="" id="{C4940EFF-F1FE-406A-8C1F-A0C62A5E75F1}"/>
                 </a:ext>
               </a:extLst>
             </p:cNvPr>
@@ -4324,7 +4324,7 @@
             <p:cNvPr id="26" name="TextBox 25">
               <a:extLst>
                 <a:ext uri="{FF2B5EF4-FFF2-40B4-BE49-F238E27FC236}">
-                  <a16:creationId xmlns:a16="http://schemas.microsoft.com/office/drawing/2014/main" id="{6D974C84-B821-47CE-A1AF-75CF12F85E5F}"/>
+                  <a16:creationId xmlns:a16="http://schemas.microsoft.com/office/drawing/2014/main" xmlns="" id="{6D974C84-B821-47CE-A1AF-75CF12F85E5F}"/>
                 </a:ext>
               </a:extLst>
             </p:cNvPr>
@@ -4359,7 +4359,7 @@
             <p:cNvPr id="27" name="직선 연결선 26">
               <a:extLst>
                 <a:ext uri="{FF2B5EF4-FFF2-40B4-BE49-F238E27FC236}">
-                  <a16:creationId xmlns:a16="http://schemas.microsoft.com/office/drawing/2014/main" id="{1971AC16-4F0F-41C3-BE1A-34D7CD6348A1}"/>
+                  <a16:creationId xmlns:a16="http://schemas.microsoft.com/office/drawing/2014/main" xmlns="" id="{1971AC16-4F0F-41C3-BE1A-34D7CD6348A1}"/>
                 </a:ext>
               </a:extLst>
             </p:cNvPr>
@@ -4404,7 +4404,7 @@
           <p:cNvPr id="28" name="그룹 27">
             <a:extLst>
               <a:ext uri="{FF2B5EF4-FFF2-40B4-BE49-F238E27FC236}">
-                <a16:creationId xmlns:a16="http://schemas.microsoft.com/office/drawing/2014/main" id="{31C955F4-79AF-4818-993B-A308B3C066BC}"/>
+                <a16:creationId xmlns:a16="http://schemas.microsoft.com/office/drawing/2014/main" xmlns="" id="{31C955F4-79AF-4818-993B-A308B3C066BC}"/>
               </a:ext>
             </a:extLst>
           </p:cNvPr>
@@ -4424,7 +4424,7 @@
             <p:cNvPr id="29" name="직사각형 28">
               <a:extLst>
                 <a:ext uri="{FF2B5EF4-FFF2-40B4-BE49-F238E27FC236}">
-                  <a16:creationId xmlns:a16="http://schemas.microsoft.com/office/drawing/2014/main" id="{6820640B-B9D5-4514-9E99-8F2D90D84604}"/>
+                  <a16:creationId xmlns:a16="http://schemas.microsoft.com/office/drawing/2014/main" xmlns="" id="{6820640B-B9D5-4514-9E99-8F2D90D84604}"/>
                 </a:ext>
               </a:extLst>
             </p:cNvPr>
@@ -4491,7 +4491,7 @@
             <p:cNvPr id="30" name="TextBox 29">
               <a:extLst>
                 <a:ext uri="{FF2B5EF4-FFF2-40B4-BE49-F238E27FC236}">
-                  <a16:creationId xmlns:a16="http://schemas.microsoft.com/office/drawing/2014/main" id="{50CE2D4E-8BDE-45DE-B2A8-D697BEFEA44A}"/>
+                  <a16:creationId xmlns:a16="http://schemas.microsoft.com/office/drawing/2014/main" xmlns="" id="{50CE2D4E-8BDE-45DE-B2A8-D697BEFEA44A}"/>
                 </a:ext>
               </a:extLst>
             </p:cNvPr>
@@ -4530,7 +4530,7 @@
             <p:cNvPr id="31" name="직선 연결선 30">
               <a:extLst>
                 <a:ext uri="{FF2B5EF4-FFF2-40B4-BE49-F238E27FC236}">
-                  <a16:creationId xmlns:a16="http://schemas.microsoft.com/office/drawing/2014/main" id="{89C1AD53-2805-4097-BE33-F98279332135}"/>
+                  <a16:creationId xmlns:a16="http://schemas.microsoft.com/office/drawing/2014/main" xmlns="" id="{89C1AD53-2805-4097-BE33-F98279332135}"/>
                 </a:ext>
               </a:extLst>
             </p:cNvPr>
@@ -4605,7 +4605,7 @@
           <p:cNvPr id="2" name="제목 1">
             <a:extLst>
               <a:ext uri="{FF2B5EF4-FFF2-40B4-BE49-F238E27FC236}">
-                <a16:creationId xmlns:a16="http://schemas.microsoft.com/office/drawing/2014/main" id="{DA24BCC0-0BEA-4665-B270-D4E30C841CAC}"/>
+                <a16:creationId xmlns:a16="http://schemas.microsoft.com/office/drawing/2014/main" xmlns="" id="{DA24BCC0-0BEA-4665-B270-D4E30C841CAC}"/>
               </a:ext>
             </a:extLst>
           </p:cNvPr>
@@ -4633,7 +4633,7 @@
           <p:cNvPr id="5" name="TextBox 4">
             <a:extLst>
               <a:ext uri="{FF2B5EF4-FFF2-40B4-BE49-F238E27FC236}">
-                <a16:creationId xmlns:a16="http://schemas.microsoft.com/office/drawing/2014/main" id="{908A1A7C-0505-455E-880A-3749C5DC9591}"/>
+                <a16:creationId xmlns:a16="http://schemas.microsoft.com/office/drawing/2014/main" xmlns="" id="{908A1A7C-0505-455E-880A-3749C5DC9591}"/>
               </a:ext>
             </a:extLst>
           </p:cNvPr>
@@ -4668,7 +4668,7 @@
           <p:cNvPr id="6" name="TextBox 5">
             <a:extLst>
               <a:ext uri="{FF2B5EF4-FFF2-40B4-BE49-F238E27FC236}">
-                <a16:creationId xmlns:a16="http://schemas.microsoft.com/office/drawing/2014/main" id="{5087A534-1C95-4C68-AA97-DA0645A6A4D3}"/>
+                <a16:creationId xmlns:a16="http://schemas.microsoft.com/office/drawing/2014/main" xmlns="" id="{5087A534-1C95-4C68-AA97-DA0645A6A4D3}"/>
               </a:ext>
             </a:extLst>
           </p:cNvPr>
@@ -4732,7 +4732,7 @@
           <p:cNvPr id="8" name="그림 7">
             <a:extLst>
               <a:ext uri="{FF2B5EF4-FFF2-40B4-BE49-F238E27FC236}">
-                <a16:creationId xmlns:a16="http://schemas.microsoft.com/office/drawing/2014/main" id="{AF93A264-617B-4799-B266-F0A4687F6BF6}"/>
+                <a16:creationId xmlns:a16="http://schemas.microsoft.com/office/drawing/2014/main" xmlns="" id="{AF93A264-617B-4799-B266-F0A4687F6BF6}"/>
               </a:ext>
             </a:extLst>
           </p:cNvPr>
@@ -4762,7 +4762,7 @@
           <p:cNvPr id="9" name="TextBox 8">
             <a:extLst>
               <a:ext uri="{FF2B5EF4-FFF2-40B4-BE49-F238E27FC236}">
-                <a16:creationId xmlns:a16="http://schemas.microsoft.com/office/drawing/2014/main" id="{A589C7B4-1E09-47BE-88F3-CF4A3F943F5F}"/>
+                <a16:creationId xmlns:a16="http://schemas.microsoft.com/office/drawing/2014/main" xmlns="" id="{A589C7B4-1E09-47BE-88F3-CF4A3F943F5F}"/>
               </a:ext>
             </a:extLst>
           </p:cNvPr>
@@ -4812,7 +4812,7 @@
           <p:cNvPr id="11" name="그림 10">
             <a:extLst>
               <a:ext uri="{FF2B5EF4-FFF2-40B4-BE49-F238E27FC236}">
-                <a16:creationId xmlns:a16="http://schemas.microsoft.com/office/drawing/2014/main" id="{1A9A3D67-D727-4AFC-ABCD-001D665DAB03}"/>
+                <a16:creationId xmlns:a16="http://schemas.microsoft.com/office/drawing/2014/main" xmlns="" id="{1A9A3D67-D727-4AFC-ABCD-001D665DAB03}"/>
               </a:ext>
             </a:extLst>
           </p:cNvPr>
@@ -4842,7 +4842,7 @@
           <p:cNvPr id="13" name="그림 12">
             <a:extLst>
               <a:ext uri="{FF2B5EF4-FFF2-40B4-BE49-F238E27FC236}">
-                <a16:creationId xmlns:a16="http://schemas.microsoft.com/office/drawing/2014/main" id="{09303544-77B6-4A47-A06E-A3A33EFE96E6}"/>
+                <a16:creationId xmlns:a16="http://schemas.microsoft.com/office/drawing/2014/main" xmlns="" id="{09303544-77B6-4A47-A06E-A3A33EFE96E6}"/>
               </a:ext>
             </a:extLst>
           </p:cNvPr>
@@ -4902,7 +4902,7 @@
           <p:cNvPr id="2" name="제목 1">
             <a:extLst>
               <a:ext uri="{FF2B5EF4-FFF2-40B4-BE49-F238E27FC236}">
-                <a16:creationId xmlns:a16="http://schemas.microsoft.com/office/drawing/2014/main" id="{DA24BCC0-0BEA-4665-B270-D4E30C841CAC}"/>
+                <a16:creationId xmlns:a16="http://schemas.microsoft.com/office/drawing/2014/main" xmlns="" id="{DA24BCC0-0BEA-4665-B270-D4E30C841CAC}"/>
               </a:ext>
             </a:extLst>
           </p:cNvPr>
@@ -4934,7 +4934,7 @@
           <p:cNvPr id="4" name="TextBox 3">
             <a:extLst>
               <a:ext uri="{FF2B5EF4-FFF2-40B4-BE49-F238E27FC236}">
-                <a16:creationId xmlns:a16="http://schemas.microsoft.com/office/drawing/2014/main" id="{200F32F9-B13E-4135-8967-81022FE8749A}"/>
+                <a16:creationId xmlns:a16="http://schemas.microsoft.com/office/drawing/2014/main" xmlns="" id="{200F32F9-B13E-4135-8967-81022FE8749A}"/>
               </a:ext>
             </a:extLst>
           </p:cNvPr>
@@ -4986,7 +4986,7 @@
           <p:cNvPr id="10" name="그림 9">
             <a:extLst>
               <a:ext uri="{FF2B5EF4-FFF2-40B4-BE49-F238E27FC236}">
-                <a16:creationId xmlns:a16="http://schemas.microsoft.com/office/drawing/2014/main" id="{C76886C1-CFD0-4EBA-9604-B69209FD5F73}"/>
+                <a16:creationId xmlns:a16="http://schemas.microsoft.com/office/drawing/2014/main" xmlns="" id="{C76886C1-CFD0-4EBA-9604-B69209FD5F73}"/>
               </a:ext>
             </a:extLst>
           </p:cNvPr>
@@ -5016,7 +5016,7 @@
           <p:cNvPr id="14" name="그림 13">
             <a:extLst>
               <a:ext uri="{FF2B5EF4-FFF2-40B4-BE49-F238E27FC236}">
-                <a16:creationId xmlns:a16="http://schemas.microsoft.com/office/drawing/2014/main" id="{D5C1B683-9F51-4A48-ACED-B582F0C498D8}"/>
+                <a16:creationId xmlns:a16="http://schemas.microsoft.com/office/drawing/2014/main" xmlns="" id="{D5C1B683-9F51-4A48-ACED-B582F0C498D8}"/>
               </a:ext>
             </a:extLst>
           </p:cNvPr>
@@ -5051,7 +5051,7 @@
           <p:cNvPr id="18" name="그림 17">
             <a:extLst>
               <a:ext uri="{FF2B5EF4-FFF2-40B4-BE49-F238E27FC236}">
-                <a16:creationId xmlns:a16="http://schemas.microsoft.com/office/drawing/2014/main" id="{147C218E-C64F-4410-95B0-31FA899988C8}"/>
+                <a16:creationId xmlns:a16="http://schemas.microsoft.com/office/drawing/2014/main" xmlns="" id="{147C218E-C64F-4410-95B0-31FA899988C8}"/>
               </a:ext>
             </a:extLst>
           </p:cNvPr>
@@ -5086,7 +5086,7 @@
           <p:cNvPr id="20" name="그림 19">
             <a:extLst>
               <a:ext uri="{FF2B5EF4-FFF2-40B4-BE49-F238E27FC236}">
-                <a16:creationId xmlns:a16="http://schemas.microsoft.com/office/drawing/2014/main" id="{84DFE94F-638A-41E8-A8B3-D891F63B6940}"/>
+                <a16:creationId xmlns:a16="http://schemas.microsoft.com/office/drawing/2014/main" xmlns="" id="{84DFE94F-638A-41E8-A8B3-D891F63B6940}"/>
               </a:ext>
             </a:extLst>
           </p:cNvPr>
@@ -5121,7 +5121,7 @@
           <p:cNvPr id="22" name="그림 21">
             <a:extLst>
               <a:ext uri="{FF2B5EF4-FFF2-40B4-BE49-F238E27FC236}">
-                <a16:creationId xmlns:a16="http://schemas.microsoft.com/office/drawing/2014/main" id="{A3AC28E1-B941-4C1C-8B75-0DE4FF0D9EFF}"/>
+                <a16:creationId xmlns:a16="http://schemas.microsoft.com/office/drawing/2014/main" xmlns="" id="{A3AC28E1-B941-4C1C-8B75-0DE4FF0D9EFF}"/>
               </a:ext>
             </a:extLst>
           </p:cNvPr>
@@ -5156,7 +5156,7 @@
           <p:cNvPr id="24" name="연결선: 꺾임 23">
             <a:extLst>
               <a:ext uri="{FF2B5EF4-FFF2-40B4-BE49-F238E27FC236}">
-                <a16:creationId xmlns:a16="http://schemas.microsoft.com/office/drawing/2014/main" id="{0E75A110-CC2D-47C9-8473-CEEAC352928B}"/>
+                <a16:creationId xmlns:a16="http://schemas.microsoft.com/office/drawing/2014/main" xmlns="" id="{0E75A110-CC2D-47C9-8473-CEEAC352928B}"/>
               </a:ext>
             </a:extLst>
           </p:cNvPr>
@@ -5198,7 +5198,7 @@
           <p:cNvPr id="26" name="연결선: 꺾임 25">
             <a:extLst>
               <a:ext uri="{FF2B5EF4-FFF2-40B4-BE49-F238E27FC236}">
-                <a16:creationId xmlns:a16="http://schemas.microsoft.com/office/drawing/2014/main" id="{96A3630F-42E0-44D4-B02F-AC4A28E591E8}"/>
+                <a16:creationId xmlns:a16="http://schemas.microsoft.com/office/drawing/2014/main" xmlns="" id="{96A3630F-42E0-44D4-B02F-AC4A28E591E8}"/>
               </a:ext>
             </a:extLst>
           </p:cNvPr>
@@ -5240,7 +5240,7 @@
           <p:cNvPr id="28" name="직선 화살표 연결선 27">
             <a:extLst>
               <a:ext uri="{FF2B5EF4-FFF2-40B4-BE49-F238E27FC236}">
-                <a16:creationId xmlns:a16="http://schemas.microsoft.com/office/drawing/2014/main" id="{18E92F6E-1652-411A-BFF3-E9EA00054458}"/>
+                <a16:creationId xmlns:a16="http://schemas.microsoft.com/office/drawing/2014/main" xmlns="" id="{18E92F6E-1652-411A-BFF3-E9EA00054458}"/>
               </a:ext>
             </a:extLst>
           </p:cNvPr>
@@ -5281,7 +5281,7 @@
           <p:cNvPr id="29" name="TextBox 28">
             <a:extLst>
               <a:ext uri="{FF2B5EF4-FFF2-40B4-BE49-F238E27FC236}">
-                <a16:creationId xmlns:a16="http://schemas.microsoft.com/office/drawing/2014/main" id="{43E4D677-690A-4B53-AE0F-EFFB21817891}"/>
+                <a16:creationId xmlns:a16="http://schemas.microsoft.com/office/drawing/2014/main" xmlns="" id="{43E4D677-690A-4B53-AE0F-EFFB21817891}"/>
               </a:ext>
             </a:extLst>
           </p:cNvPr>
@@ -5335,7 +5335,7 @@
           <p:cNvPr id="31" name="TextBox 30">
             <a:extLst>
               <a:ext uri="{FF2B5EF4-FFF2-40B4-BE49-F238E27FC236}">
-                <a16:creationId xmlns:a16="http://schemas.microsoft.com/office/drawing/2014/main" id="{0A4A652A-32BA-4185-9D7F-4B33ACCAAAC0}"/>
+                <a16:creationId xmlns:a16="http://schemas.microsoft.com/office/drawing/2014/main" xmlns="" id="{0A4A652A-32BA-4185-9D7F-4B33ACCAAAC0}"/>
               </a:ext>
             </a:extLst>
           </p:cNvPr>
@@ -5389,7 +5389,7 @@
           <p:cNvPr id="32" name="TextBox 31">
             <a:extLst>
               <a:ext uri="{FF2B5EF4-FFF2-40B4-BE49-F238E27FC236}">
-                <a16:creationId xmlns:a16="http://schemas.microsoft.com/office/drawing/2014/main" id="{64693DE6-CC96-4DE6-A559-52D05EC35DCB}"/>
+                <a16:creationId xmlns:a16="http://schemas.microsoft.com/office/drawing/2014/main" xmlns="" id="{64693DE6-CC96-4DE6-A559-52D05EC35DCB}"/>
               </a:ext>
             </a:extLst>
           </p:cNvPr>
@@ -5473,7 +5473,7 @@
           <p:cNvPr id="4" name="제목 3">
             <a:extLst>
               <a:ext uri="{FF2B5EF4-FFF2-40B4-BE49-F238E27FC236}">
-                <a16:creationId xmlns:a16="http://schemas.microsoft.com/office/drawing/2014/main" id="{EB6D438C-A184-447B-ACCE-00753F422508}"/>
+                <a16:creationId xmlns:a16="http://schemas.microsoft.com/office/drawing/2014/main" xmlns="" id="{EB6D438C-A184-447B-ACCE-00753F422508}"/>
               </a:ext>
             </a:extLst>
           </p:cNvPr>
@@ -5501,7 +5501,7 @@
           <p:cNvPr id="2" name="TextBox 1">
             <a:extLst>
               <a:ext uri="{FF2B5EF4-FFF2-40B4-BE49-F238E27FC236}">
-                <a16:creationId xmlns:a16="http://schemas.microsoft.com/office/drawing/2014/main" id="{C3E83EE5-CA34-4FBD-A743-EAA4A5CF0338}"/>
+                <a16:creationId xmlns:a16="http://schemas.microsoft.com/office/drawing/2014/main" xmlns="" id="{C3E83EE5-CA34-4FBD-A743-EAA4A5CF0338}"/>
               </a:ext>
             </a:extLst>
           </p:cNvPr>
@@ -5536,7 +5536,7 @@
           <p:cNvPr id="3" name="TextBox 2">
             <a:extLst>
               <a:ext uri="{FF2B5EF4-FFF2-40B4-BE49-F238E27FC236}">
-                <a16:creationId xmlns:a16="http://schemas.microsoft.com/office/drawing/2014/main" id="{FE46A7A6-A0EF-48B0-87D6-CF593DA328B3}"/>
+                <a16:creationId xmlns:a16="http://schemas.microsoft.com/office/drawing/2014/main" xmlns="" id="{FE46A7A6-A0EF-48B0-87D6-CF593DA328B3}"/>
               </a:ext>
             </a:extLst>
           </p:cNvPr>
@@ -5612,6 +5612,10 @@
               <a:rPr lang="ko-KR" altLang="en-US" sz="1200"/>
               <a:t>자바스크립트에는 이미 여러 함수가 만들어져 있어서 가져다 사용할 수 있음</a:t>
             </a:r>
+            <a:r>
+              <a:rPr lang="en-US" altLang="ko-KR" sz="1200"/>
+              <a:t/>
+            </a:r>
             <a:br>
               <a:rPr lang="en-US" altLang="ko-KR" sz="1200"/>
             </a:br>
@@ -5632,7 +5636,7 @@
           <p:cNvPr id="7" name="TextBox 6">
             <a:extLst>
               <a:ext uri="{FF2B5EF4-FFF2-40B4-BE49-F238E27FC236}">
-                <a16:creationId xmlns:a16="http://schemas.microsoft.com/office/drawing/2014/main" id="{9146B512-63C0-4FC2-A65C-A6D37BEAD9D7}"/>
+                <a16:creationId xmlns:a16="http://schemas.microsoft.com/office/drawing/2014/main" xmlns="" id="{9146B512-63C0-4FC2-A65C-A6D37BEAD9D7}"/>
               </a:ext>
             </a:extLst>
           </p:cNvPr>
@@ -5675,7 +5679,7 @@
           <p:cNvPr id="9" name="그림 8">
             <a:extLst>
               <a:ext uri="{FF2B5EF4-FFF2-40B4-BE49-F238E27FC236}">
-                <a16:creationId xmlns:a16="http://schemas.microsoft.com/office/drawing/2014/main" id="{5B10000E-36FC-4E5E-B6E1-1B002FB64094}"/>
+                <a16:creationId xmlns:a16="http://schemas.microsoft.com/office/drawing/2014/main" xmlns="" id="{5B10000E-36FC-4E5E-B6E1-1B002FB64094}"/>
               </a:ext>
             </a:extLst>
           </p:cNvPr>
@@ -5705,7 +5709,7 @@
           <p:cNvPr id="10" name="TextBox 9">
             <a:extLst>
               <a:ext uri="{FF2B5EF4-FFF2-40B4-BE49-F238E27FC236}">
-                <a16:creationId xmlns:a16="http://schemas.microsoft.com/office/drawing/2014/main" id="{0DC64771-1B7F-4E65-9E5B-9335380558FF}"/>
+                <a16:creationId xmlns:a16="http://schemas.microsoft.com/office/drawing/2014/main" xmlns="" id="{0DC64771-1B7F-4E65-9E5B-9335380558FF}"/>
               </a:ext>
             </a:extLst>
           </p:cNvPr>
@@ -5748,7 +5752,7 @@
           <p:cNvPr id="11" name="TextBox 10">
             <a:extLst>
               <a:ext uri="{FF2B5EF4-FFF2-40B4-BE49-F238E27FC236}">
-                <a16:creationId xmlns:a16="http://schemas.microsoft.com/office/drawing/2014/main" id="{106BE374-150E-41D1-9004-595932328862}"/>
+                <a16:creationId xmlns:a16="http://schemas.microsoft.com/office/drawing/2014/main" xmlns="" id="{106BE374-150E-41D1-9004-595932328862}"/>
               </a:ext>
             </a:extLst>
           </p:cNvPr>
@@ -5791,7 +5795,7 @@
           <p:cNvPr id="13" name="그림 12">
             <a:extLst>
               <a:ext uri="{FF2B5EF4-FFF2-40B4-BE49-F238E27FC236}">
-                <a16:creationId xmlns:a16="http://schemas.microsoft.com/office/drawing/2014/main" id="{C7547693-34AA-4703-A0A7-2189C91D8EB6}"/>
+                <a16:creationId xmlns:a16="http://schemas.microsoft.com/office/drawing/2014/main" xmlns="" id="{C7547693-34AA-4703-A0A7-2189C91D8EB6}"/>
               </a:ext>
             </a:extLst>
           </p:cNvPr>
@@ -5821,7 +5825,7 @@
           <p:cNvPr id="17" name="그림 16">
             <a:extLst>
               <a:ext uri="{FF2B5EF4-FFF2-40B4-BE49-F238E27FC236}">
-                <a16:creationId xmlns:a16="http://schemas.microsoft.com/office/drawing/2014/main" id="{43E8C31E-E615-4C43-BF6E-36A88E55531D}"/>
+                <a16:creationId xmlns:a16="http://schemas.microsoft.com/office/drawing/2014/main" xmlns="" id="{43E8C31E-E615-4C43-BF6E-36A88E55531D}"/>
               </a:ext>
             </a:extLst>
           </p:cNvPr>
@@ -5881,7 +5885,7 @@
           <p:cNvPr id="2" name="제목 1">
             <a:extLst>
               <a:ext uri="{FF2B5EF4-FFF2-40B4-BE49-F238E27FC236}">
-                <a16:creationId xmlns:a16="http://schemas.microsoft.com/office/drawing/2014/main" id="{787D4B84-40E7-4384-9C9D-35259A439DF3}"/>
+                <a16:creationId xmlns:a16="http://schemas.microsoft.com/office/drawing/2014/main" xmlns="" id="{787D4B84-40E7-4384-9C9D-35259A439DF3}"/>
               </a:ext>
             </a:extLst>
           </p:cNvPr>
@@ -5913,7 +5917,7 @@
           <p:cNvPr id="4" name="TextBox 3">
             <a:extLst>
               <a:ext uri="{FF2B5EF4-FFF2-40B4-BE49-F238E27FC236}">
-                <a16:creationId xmlns:a16="http://schemas.microsoft.com/office/drawing/2014/main" id="{003BC1DB-8267-4E45-AF49-C7A853F56CB6}"/>
+                <a16:creationId xmlns:a16="http://schemas.microsoft.com/office/drawing/2014/main" xmlns="" id="{003BC1DB-8267-4E45-AF49-C7A853F56CB6}"/>
               </a:ext>
             </a:extLst>
           </p:cNvPr>
@@ -6005,7 +6009,7 @@
           <p:cNvPr id="5" name="TextBox 4">
             <a:extLst>
               <a:ext uri="{FF2B5EF4-FFF2-40B4-BE49-F238E27FC236}">
-                <a16:creationId xmlns:a16="http://schemas.microsoft.com/office/drawing/2014/main" id="{8B1234B9-18A4-4476-A612-61D1080FF192}"/>
+                <a16:creationId xmlns:a16="http://schemas.microsoft.com/office/drawing/2014/main" xmlns="" id="{8B1234B9-18A4-4476-A612-61D1080FF192}"/>
               </a:ext>
             </a:extLst>
           </p:cNvPr>
@@ -6040,7 +6044,7 @@
           <p:cNvPr id="6" name="TextBox 5">
             <a:extLst>
               <a:ext uri="{FF2B5EF4-FFF2-40B4-BE49-F238E27FC236}">
-                <a16:creationId xmlns:a16="http://schemas.microsoft.com/office/drawing/2014/main" id="{71AD8515-C47D-41F3-B672-61D46E212292}"/>
+                <a16:creationId xmlns:a16="http://schemas.microsoft.com/office/drawing/2014/main" xmlns="" id="{71AD8515-C47D-41F3-B672-61D46E212292}"/>
               </a:ext>
             </a:extLst>
           </p:cNvPr>
@@ -6100,7 +6104,7 @@
           <p:cNvPr id="7" name="그림 6">
             <a:extLst>
               <a:ext uri="{FF2B5EF4-FFF2-40B4-BE49-F238E27FC236}">
-                <a16:creationId xmlns:a16="http://schemas.microsoft.com/office/drawing/2014/main" id="{B8004FDA-D54D-4EE8-85B1-CEA76CDDD8C6}"/>
+                <a16:creationId xmlns:a16="http://schemas.microsoft.com/office/drawing/2014/main" xmlns="" id="{B8004FDA-D54D-4EE8-85B1-CEA76CDDD8C6}"/>
               </a:ext>
             </a:extLst>
           </p:cNvPr>
@@ -6130,7 +6134,7 @@
           <p:cNvPr id="8" name="설명선: 위쪽 화살표 7">
             <a:extLst>
               <a:ext uri="{FF2B5EF4-FFF2-40B4-BE49-F238E27FC236}">
-                <a16:creationId xmlns:a16="http://schemas.microsoft.com/office/drawing/2014/main" id="{410759FC-2F69-410E-8C28-61193022171A}"/>
+                <a16:creationId xmlns:a16="http://schemas.microsoft.com/office/drawing/2014/main" xmlns="" id="{410759FC-2F69-410E-8C28-61193022171A}"/>
               </a:ext>
             </a:extLst>
           </p:cNvPr>
@@ -6202,7 +6206,7 @@
           <p:cNvPr id="9" name="TextBox 8">
             <a:extLst>
               <a:ext uri="{FF2B5EF4-FFF2-40B4-BE49-F238E27FC236}">
-                <a16:creationId xmlns:a16="http://schemas.microsoft.com/office/drawing/2014/main" id="{735F1D28-083E-4E09-881B-DED71D846F14}"/>
+                <a16:creationId xmlns:a16="http://schemas.microsoft.com/office/drawing/2014/main" xmlns="" id="{735F1D28-083E-4E09-881B-DED71D846F14}"/>
               </a:ext>
             </a:extLst>
           </p:cNvPr>
@@ -6237,7 +6241,7 @@
           <p:cNvPr id="10" name="TextBox 9">
             <a:extLst>
               <a:ext uri="{FF2B5EF4-FFF2-40B4-BE49-F238E27FC236}">
-                <a16:creationId xmlns:a16="http://schemas.microsoft.com/office/drawing/2014/main" id="{3C70CA92-C0F2-47A4-8535-1E8F7499DFE4}"/>
+                <a16:creationId xmlns:a16="http://schemas.microsoft.com/office/drawing/2014/main" xmlns="" id="{3C70CA92-C0F2-47A4-8535-1E8F7499DFE4}"/>
               </a:ext>
             </a:extLst>
           </p:cNvPr>
@@ -6301,7 +6305,7 @@
           <p:cNvPr id="12" name="그림 11">
             <a:extLst>
               <a:ext uri="{FF2B5EF4-FFF2-40B4-BE49-F238E27FC236}">
-                <a16:creationId xmlns:a16="http://schemas.microsoft.com/office/drawing/2014/main" id="{A050F009-F260-4C1F-9455-E824E11AD379}"/>
+                <a16:creationId xmlns:a16="http://schemas.microsoft.com/office/drawing/2014/main" xmlns="" id="{A050F009-F260-4C1F-9455-E824E11AD379}"/>
               </a:ext>
             </a:extLst>
           </p:cNvPr>
@@ -6331,7 +6335,7 @@
           <p:cNvPr id="13" name="설명선: 위쪽 화살표 12">
             <a:extLst>
               <a:ext uri="{FF2B5EF4-FFF2-40B4-BE49-F238E27FC236}">
-                <a16:creationId xmlns:a16="http://schemas.microsoft.com/office/drawing/2014/main" id="{6E227BAA-F141-4169-80BD-9269143A603B}"/>
+                <a16:creationId xmlns:a16="http://schemas.microsoft.com/office/drawing/2014/main" xmlns="" id="{6E227BAA-F141-4169-80BD-9269143A603B}"/>
               </a:ext>
             </a:extLst>
           </p:cNvPr>
@@ -6438,7 +6442,7 @@
           <p:cNvPr id="2" name="제목 1">
             <a:extLst>
               <a:ext uri="{FF2B5EF4-FFF2-40B4-BE49-F238E27FC236}">
-                <a16:creationId xmlns:a16="http://schemas.microsoft.com/office/drawing/2014/main" id="{787D4B84-40E7-4384-9C9D-35259A439DF3}"/>
+                <a16:creationId xmlns:a16="http://schemas.microsoft.com/office/drawing/2014/main" xmlns="" id="{787D4B84-40E7-4384-9C9D-35259A439DF3}"/>
               </a:ext>
             </a:extLst>
           </p:cNvPr>
@@ -6470,7 +6474,7 @@
           <p:cNvPr id="5" name="TextBox 4">
             <a:extLst>
               <a:ext uri="{FF2B5EF4-FFF2-40B4-BE49-F238E27FC236}">
-                <a16:creationId xmlns:a16="http://schemas.microsoft.com/office/drawing/2014/main" id="{8B1234B9-18A4-4476-A612-61D1080FF192}"/>
+                <a16:creationId xmlns:a16="http://schemas.microsoft.com/office/drawing/2014/main" xmlns="" id="{8B1234B9-18A4-4476-A612-61D1080FF192}"/>
               </a:ext>
             </a:extLst>
           </p:cNvPr>
@@ -6509,7 +6513,7 @@
           <p:cNvPr id="9" name="TextBox 8">
             <a:extLst>
               <a:ext uri="{FF2B5EF4-FFF2-40B4-BE49-F238E27FC236}">
-                <a16:creationId xmlns:a16="http://schemas.microsoft.com/office/drawing/2014/main" id="{735F1D28-083E-4E09-881B-DED71D846F14}"/>
+                <a16:creationId xmlns:a16="http://schemas.microsoft.com/office/drawing/2014/main" xmlns="" id="{735F1D28-083E-4E09-881B-DED71D846F14}"/>
               </a:ext>
             </a:extLst>
           </p:cNvPr>
@@ -6544,7 +6548,7 @@
           <p:cNvPr id="10" name="TextBox 9">
             <a:extLst>
               <a:ext uri="{FF2B5EF4-FFF2-40B4-BE49-F238E27FC236}">
-                <a16:creationId xmlns:a16="http://schemas.microsoft.com/office/drawing/2014/main" id="{3C70CA92-C0F2-47A4-8535-1E8F7499DFE4}"/>
+                <a16:creationId xmlns:a16="http://schemas.microsoft.com/office/drawing/2014/main" xmlns="" id="{3C70CA92-C0F2-47A4-8535-1E8F7499DFE4}"/>
               </a:ext>
             </a:extLst>
           </p:cNvPr>
@@ -6637,7 +6641,7 @@
           <p:cNvPr id="11" name="그림 10">
             <a:extLst>
               <a:ext uri="{FF2B5EF4-FFF2-40B4-BE49-F238E27FC236}">
-                <a16:creationId xmlns:a16="http://schemas.microsoft.com/office/drawing/2014/main" id="{9945D542-FBCE-4361-A0BE-2C688C0226B6}"/>
+                <a16:creationId xmlns:a16="http://schemas.microsoft.com/office/drawing/2014/main" xmlns="" id="{9945D542-FBCE-4361-A0BE-2C688C0226B6}"/>
               </a:ext>
             </a:extLst>
           </p:cNvPr>
@@ -6667,7 +6671,7 @@
           <p:cNvPr id="14" name="직사각형 13">
             <a:extLst>
               <a:ext uri="{FF2B5EF4-FFF2-40B4-BE49-F238E27FC236}">
-                <a16:creationId xmlns:a16="http://schemas.microsoft.com/office/drawing/2014/main" id="{A88CBD7B-9C83-4447-BC2F-146801586384}"/>
+                <a16:creationId xmlns:a16="http://schemas.microsoft.com/office/drawing/2014/main" xmlns="" id="{A88CBD7B-9C83-4447-BC2F-146801586384}"/>
               </a:ext>
             </a:extLst>
           </p:cNvPr>
@@ -6719,7 +6723,7 @@
           <p:cNvPr id="15" name="TextBox 14">
             <a:extLst>
               <a:ext uri="{FF2B5EF4-FFF2-40B4-BE49-F238E27FC236}">
-                <a16:creationId xmlns:a16="http://schemas.microsoft.com/office/drawing/2014/main" id="{5787F9ED-8E4A-4F11-A9CA-DE0E826B0B88}"/>
+                <a16:creationId xmlns:a16="http://schemas.microsoft.com/office/drawing/2014/main" xmlns="" id="{5787F9ED-8E4A-4F11-A9CA-DE0E826B0B88}"/>
               </a:ext>
             </a:extLst>
           </p:cNvPr>
@@ -6803,7 +6807,7 @@
           <p:cNvPr id="18" name="그림 17">
             <a:extLst>
               <a:ext uri="{FF2B5EF4-FFF2-40B4-BE49-F238E27FC236}">
-                <a16:creationId xmlns:a16="http://schemas.microsoft.com/office/drawing/2014/main" id="{53BAB928-29D3-4E09-A511-777B41C9CE53}"/>
+                <a16:creationId xmlns:a16="http://schemas.microsoft.com/office/drawing/2014/main" xmlns="" id="{53BAB928-29D3-4E09-A511-777B41C9CE53}"/>
               </a:ext>
             </a:extLst>
           </p:cNvPr>
@@ -6833,7 +6837,7 @@
           <p:cNvPr id="20" name="그림 19">
             <a:extLst>
               <a:ext uri="{FF2B5EF4-FFF2-40B4-BE49-F238E27FC236}">
-                <a16:creationId xmlns:a16="http://schemas.microsoft.com/office/drawing/2014/main" id="{EA8E0F31-C4FD-4739-8B78-5839371EC293}"/>
+                <a16:creationId xmlns:a16="http://schemas.microsoft.com/office/drawing/2014/main" xmlns="" id="{EA8E0F31-C4FD-4739-8B78-5839371EC293}"/>
               </a:ext>
             </a:extLst>
           </p:cNvPr>
@@ -6893,7 +6897,7 @@
           <p:cNvPr id="2" name="제목 1">
             <a:extLst>
               <a:ext uri="{FF2B5EF4-FFF2-40B4-BE49-F238E27FC236}">
-                <a16:creationId xmlns:a16="http://schemas.microsoft.com/office/drawing/2014/main" id="{787D4B84-40E7-4384-9C9D-35259A439DF3}"/>
+                <a16:creationId xmlns:a16="http://schemas.microsoft.com/office/drawing/2014/main" xmlns="" id="{787D4B84-40E7-4384-9C9D-35259A439DF3}"/>
               </a:ext>
             </a:extLst>
           </p:cNvPr>
@@ -6933,7 +6937,7 @@
           <p:cNvPr id="5" name="TextBox 4">
             <a:extLst>
               <a:ext uri="{FF2B5EF4-FFF2-40B4-BE49-F238E27FC236}">
-                <a16:creationId xmlns:a16="http://schemas.microsoft.com/office/drawing/2014/main" id="{8B1234B9-18A4-4476-A612-61D1080FF192}"/>
+                <a16:creationId xmlns:a16="http://schemas.microsoft.com/office/drawing/2014/main" xmlns="" id="{8B1234B9-18A4-4476-A612-61D1080FF192}"/>
               </a:ext>
             </a:extLst>
           </p:cNvPr>
@@ -6972,7 +6976,7 @@
           <p:cNvPr id="12" name="TextBox 11">
             <a:extLst>
               <a:ext uri="{FF2B5EF4-FFF2-40B4-BE49-F238E27FC236}">
-                <a16:creationId xmlns:a16="http://schemas.microsoft.com/office/drawing/2014/main" id="{98BF90DB-9033-4DE8-8F26-720E563C6395}"/>
+                <a16:creationId xmlns:a16="http://schemas.microsoft.com/office/drawing/2014/main" xmlns="" id="{98BF90DB-9033-4DE8-8F26-720E563C6395}"/>
               </a:ext>
             </a:extLst>
           </p:cNvPr>
@@ -6982,7 +6986,7 @@
         <p:spPr>
           <a:xfrm>
             <a:off x="763398" y="1602297"/>
-            <a:ext cx="3813865" cy="611834"/>
+            <a:ext cx="3813865" cy="923330"/>
           </a:xfrm>
           <a:prstGeom prst="rect">
             <a:avLst/>
@@ -7003,41 +7007,87 @@
               <a:buChar char="•"/>
             </a:pPr>
             <a:r>
-              <a:rPr lang="ko-KR" altLang="en-US" sz="1200" b="1"/>
+              <a:rPr lang="ko-KR" altLang="en-US" sz="1200" b="1" dirty="0"/>
               <a:t>블록 변수 </a:t>
             </a:r>
             <a:r>
-              <a:rPr lang="en-US" altLang="ko-KR" sz="1200"/>
+              <a:rPr lang="en-US" altLang="ko-KR" sz="1200" dirty="0"/>
               <a:t>– </a:t>
             </a:r>
             <a:r>
-              <a:rPr lang="ko-KR" altLang="en-US" sz="1200"/>
+              <a:rPr lang="ko-KR" altLang="en-US" sz="1200" dirty="0"/>
               <a:t>블록</a:t>
             </a:r>
             <a:r>
-              <a:rPr lang="en-US" altLang="ko-KR" sz="1200"/>
+              <a:rPr lang="en-US" altLang="ko-KR" sz="1200" dirty="0"/>
               <a:t>({ })</a:t>
             </a:r>
             <a:r>
-              <a:rPr lang="ko-KR" altLang="en-US" sz="1200"/>
+              <a:rPr lang="ko-KR" altLang="en-US" sz="1200" dirty="0"/>
               <a:t> 안에서만 사용할 수 있다</a:t>
             </a:r>
+            <a:r>
+              <a:rPr lang="en-US" altLang="ko-KR" sz="1200" dirty="0"/>
+              <a:t/>
+            </a:r>
             <a:br>
-              <a:rPr lang="en-US" altLang="ko-KR" sz="1200"/>
+              <a:rPr lang="en-US" altLang="ko-KR" sz="1200" dirty="0"/>
             </a:br>
             <a:r>
-              <a:rPr lang="en-US" altLang="ko-KR" sz="1200">
+              <a:rPr lang="en-US" altLang="ko-KR" sz="1200" dirty="0">
                 <a:sym typeface="Wingdings" panose="05000000000000000000" pitchFamily="2" charset="2"/>
               </a:rPr>
               <a:t> </a:t>
             </a:r>
             <a:r>
-              <a:rPr lang="ko-KR" altLang="en-US" sz="1200">
+              <a:rPr lang="ko-KR" altLang="en-US" sz="1200" dirty="0">
                 <a:sym typeface="Wingdings" panose="05000000000000000000" pitchFamily="2" charset="2"/>
               </a:rPr>
-              <a:t>전역 변수는 변수 이름과 초깃값만 할당하면 됨</a:t>
-            </a:r>
-            <a:endParaRPr lang="ko-KR" altLang="en-US" sz="1200"/>
+              <a:t>전역 변수는 변수 이름과 </a:t>
+            </a:r>
+            <a:r>
+              <a:rPr lang="ko-KR" altLang="en-US" sz="1200" dirty="0" err="1">
+                <a:sym typeface="Wingdings" panose="05000000000000000000" pitchFamily="2" charset="2"/>
+              </a:rPr>
+              <a:t>초깃값만</a:t>
+            </a:r>
+            <a:r>
+              <a:rPr lang="ko-KR" altLang="en-US" sz="1200" dirty="0">
+                <a:sym typeface="Wingdings" panose="05000000000000000000" pitchFamily="2" charset="2"/>
+              </a:rPr>
+              <a:t> 할당하면 </a:t>
+            </a:r>
+            <a:r>
+              <a:rPr lang="ko-KR" altLang="en-US" sz="1200" dirty="0" smtClean="0">
+                <a:sym typeface="Wingdings" panose="05000000000000000000" pitchFamily="2" charset="2"/>
+              </a:rPr>
+              <a:t>됨</a:t>
+            </a:r>
+            <a:endParaRPr lang="en-US" altLang="ko-KR" sz="1200" dirty="0" smtClean="0">
+              <a:sym typeface="Wingdings" panose="05000000000000000000" pitchFamily="2" charset="2"/>
+            </a:endParaRPr>
+          </a:p>
+          <a:p>
+            <a:pPr marL="171450" indent="-171450">
+              <a:lnSpc>
+                <a:spcPct val="150000"/>
+              </a:lnSpc>
+              <a:buFont typeface="Arial" panose="020B0604020202020204" pitchFamily="34" charset="0"/>
+              <a:buChar char="•"/>
+            </a:pPr>
+            <a:r>
+              <a:rPr lang="ko-KR" altLang="en-US" sz="1200" dirty="0" err="1" smtClean="0">
+                <a:sym typeface="Wingdings" panose="05000000000000000000" pitchFamily="2" charset="2"/>
+              </a:rPr>
+              <a:t>메소</a:t>
+            </a:r>
+            <a:r>
+              <a:rPr lang="ko-KR" altLang="en-US" sz="1200" dirty="0" err="1">
+                <a:sym typeface="Wingdings" panose="05000000000000000000" pitchFamily="2" charset="2"/>
+              </a:rPr>
+              <a:t>드</a:t>
+            </a:r>
+            <a:endParaRPr lang="ko-KR" altLang="en-US" sz="1200" dirty="0"/>
           </a:p>
         </p:txBody>
       </p:sp>
@@ -7046,7 +7096,7 @@
           <p:cNvPr id="4" name="그림 3">
             <a:extLst>
               <a:ext uri="{FF2B5EF4-FFF2-40B4-BE49-F238E27FC236}">
-                <a16:creationId xmlns:a16="http://schemas.microsoft.com/office/drawing/2014/main" id="{86CF4B86-D685-4302-A043-4279C9C49FBC}"/>
+                <a16:creationId xmlns:a16="http://schemas.microsoft.com/office/drawing/2014/main" xmlns="" id="{86CF4B86-D685-4302-A043-4279C9C49FBC}"/>
               </a:ext>
             </a:extLst>
           </p:cNvPr>
@@ -7076,7 +7126,7 @@
           <p:cNvPr id="6" name="직사각형 5">
             <a:extLst>
               <a:ext uri="{FF2B5EF4-FFF2-40B4-BE49-F238E27FC236}">
-                <a16:creationId xmlns:a16="http://schemas.microsoft.com/office/drawing/2014/main" id="{16124C34-F9D5-4EEC-9A85-BA002F6132F8}"/>
+                <a16:creationId xmlns:a16="http://schemas.microsoft.com/office/drawing/2014/main" xmlns="" id="{16124C34-F9D5-4EEC-9A85-BA002F6132F8}"/>
               </a:ext>
             </a:extLst>
           </p:cNvPr>
@@ -7128,7 +7178,7 @@
           <p:cNvPr id="16" name="직사각형 15">
             <a:extLst>
               <a:ext uri="{FF2B5EF4-FFF2-40B4-BE49-F238E27FC236}">
-                <a16:creationId xmlns:a16="http://schemas.microsoft.com/office/drawing/2014/main" id="{D6DF5014-F889-4F67-A0DA-A63D5DDA8C0F}"/>
+                <a16:creationId xmlns:a16="http://schemas.microsoft.com/office/drawing/2014/main" xmlns="" id="{D6DF5014-F889-4F67-A0DA-A63D5DDA8C0F}"/>
               </a:ext>
             </a:extLst>
           </p:cNvPr>
@@ -7180,7 +7230,7 @@
           <p:cNvPr id="7" name="TextBox 6">
             <a:extLst>
               <a:ext uri="{FF2B5EF4-FFF2-40B4-BE49-F238E27FC236}">
-                <a16:creationId xmlns:a16="http://schemas.microsoft.com/office/drawing/2014/main" id="{054AD045-EF8B-4AC3-8A7B-7E03F6213025}"/>
+                <a16:creationId xmlns:a16="http://schemas.microsoft.com/office/drawing/2014/main" xmlns="" id="{054AD045-EF8B-4AC3-8A7B-7E03F6213025}"/>
               </a:ext>
             </a:extLst>
           </p:cNvPr>
@@ -7219,7 +7269,7 @@
           <p:cNvPr id="17" name="TextBox 16">
             <a:extLst>
               <a:ext uri="{FF2B5EF4-FFF2-40B4-BE49-F238E27FC236}">
-                <a16:creationId xmlns:a16="http://schemas.microsoft.com/office/drawing/2014/main" id="{1CABE7F0-1739-4FEA-AB0C-2E066B4CDB0B}"/>
+                <a16:creationId xmlns:a16="http://schemas.microsoft.com/office/drawing/2014/main" xmlns="" id="{1CABE7F0-1739-4FEA-AB0C-2E066B4CDB0B}"/>
               </a:ext>
             </a:extLst>
           </p:cNvPr>
@@ -7258,7 +7308,7 @@
           <p:cNvPr id="13" name="연결선: 구부러짐 12">
             <a:extLst>
               <a:ext uri="{FF2B5EF4-FFF2-40B4-BE49-F238E27FC236}">
-                <a16:creationId xmlns:a16="http://schemas.microsoft.com/office/drawing/2014/main" id="{AD4EACF7-9B83-4605-B472-2DAF68547931}"/>
+                <a16:creationId xmlns:a16="http://schemas.microsoft.com/office/drawing/2014/main" xmlns="" id="{AD4EACF7-9B83-4605-B472-2DAF68547931}"/>
               </a:ext>
             </a:extLst>
           </p:cNvPr>
@@ -7302,7 +7352,7 @@
           <p:cNvPr id="21" name="연결선: 구부러짐 20">
             <a:extLst>
               <a:ext uri="{FF2B5EF4-FFF2-40B4-BE49-F238E27FC236}">
-                <a16:creationId xmlns:a16="http://schemas.microsoft.com/office/drawing/2014/main" id="{5827E5D2-7905-4AAE-BDD9-E956301A5C17}"/>
+                <a16:creationId xmlns:a16="http://schemas.microsoft.com/office/drawing/2014/main" xmlns="" id="{5827E5D2-7905-4AAE-BDD9-E956301A5C17}"/>
               </a:ext>
             </a:extLst>
           </p:cNvPr>
@@ -7348,7 +7398,7 @@
           <p:cNvPr id="24" name="TextBox 23">
             <a:extLst>
               <a:ext uri="{FF2B5EF4-FFF2-40B4-BE49-F238E27FC236}">
-                <a16:creationId xmlns:a16="http://schemas.microsoft.com/office/drawing/2014/main" id="{3B29B329-E220-4B33-A541-30F1206E61E7}"/>
+                <a16:creationId xmlns:a16="http://schemas.microsoft.com/office/drawing/2014/main" xmlns="" id="{3B29B329-E220-4B33-A541-30F1206E61E7}"/>
               </a:ext>
             </a:extLst>
           </p:cNvPr>
@@ -7404,7 +7454,7 @@
           <p:cNvPr id="31" name="TextBox 30">
             <a:extLst>
               <a:ext uri="{FF2B5EF4-FFF2-40B4-BE49-F238E27FC236}">
-                <a16:creationId xmlns:a16="http://schemas.microsoft.com/office/drawing/2014/main" id="{F6361E04-FA6C-4200-A7EB-A531D651FB40}"/>
+                <a16:creationId xmlns:a16="http://schemas.microsoft.com/office/drawing/2014/main" xmlns="" id="{F6361E04-FA6C-4200-A7EB-A531D651FB40}"/>
               </a:ext>
             </a:extLst>
           </p:cNvPr>
@@ -7443,7 +7493,7 @@
           <p:cNvPr id="32" name="TextBox 31">
             <a:extLst>
               <a:ext uri="{FF2B5EF4-FFF2-40B4-BE49-F238E27FC236}">
-                <a16:creationId xmlns:a16="http://schemas.microsoft.com/office/drawing/2014/main" id="{AB4FFE78-C963-4A76-BDD0-23AB96021A46}"/>
+                <a16:creationId xmlns:a16="http://schemas.microsoft.com/office/drawing/2014/main" xmlns="" id="{AB4FFE78-C963-4A76-BDD0-23AB96021A46}"/>
               </a:ext>
             </a:extLst>
           </p:cNvPr>
@@ -7453,7 +7503,7 @@
         <p:spPr>
           <a:xfrm>
             <a:off x="6319997" y="1674491"/>
-            <a:ext cx="3180679" cy="610616"/>
+            <a:ext cx="3180679" cy="646331"/>
           </a:xfrm>
           <a:prstGeom prst="rect">
             <a:avLst/>
@@ -7474,19 +7524,19 @@
               <a:buChar char="•"/>
             </a:pPr>
             <a:r>
-              <a:rPr lang="ko-KR" altLang="en-US" sz="1200" b="1"/>
+              <a:rPr lang="ko-KR" altLang="en-US" sz="1200" b="1" dirty="0"/>
               <a:t>상수 </a:t>
             </a:r>
             <a:r>
-              <a:rPr lang="en-US" altLang="ko-KR" sz="1200"/>
+              <a:rPr lang="en-US" altLang="ko-KR" sz="1200" dirty="0"/>
               <a:t>– </a:t>
             </a:r>
             <a:r>
-              <a:rPr lang="ko-KR" altLang="en-US" sz="1200"/>
+              <a:rPr lang="ko-KR" altLang="en-US" sz="1200" dirty="0"/>
               <a:t>변하지 않는 값을 선언할 때 사용</a:t>
             </a:r>
             <a:r>
-              <a:rPr lang="en-US" altLang="ko-KR" sz="1200"/>
+              <a:rPr lang="en-US" altLang="ko-KR" sz="1200" dirty="0"/>
               <a:t> </a:t>
             </a:r>
           </a:p>
@@ -7499,17 +7549,22 @@
               <a:buChar char="•"/>
             </a:pPr>
             <a:r>
-              <a:rPr lang="ko-KR" altLang="en-US" sz="1200"/>
+              <a:rPr lang="ko-KR" altLang="en-US" sz="1200" dirty="0" err="1"/>
               <a:t>재선언</a:t>
             </a:r>
             <a:r>
-              <a:rPr lang="en-US" altLang="ko-KR" sz="1200"/>
+              <a:rPr lang="en-US" altLang="ko-KR" sz="1200" dirty="0"/>
               <a:t>, </a:t>
             </a:r>
             <a:r>
-              <a:rPr lang="ko-KR" altLang="en-US" sz="1200"/>
-              <a:t>재할당할 수 없음</a:t>
-            </a:r>
+              <a:rPr lang="ko-KR" altLang="en-US" sz="1200" dirty="0"/>
+              <a:t>재할당할 수 </a:t>
+            </a:r>
+            <a:r>
+              <a:rPr lang="ko-KR" altLang="en-US" sz="1200" dirty="0" smtClean="0"/>
+              <a:t>없음</a:t>
+            </a:r>
+            <a:endParaRPr lang="en-US" altLang="ko-KR" sz="1200" dirty="0" smtClean="0"/>
           </a:p>
         </p:txBody>
       </p:sp>
@@ -7518,7 +7573,7 @@
           <p:cNvPr id="33" name="TextBox 32">
             <a:extLst>
               <a:ext uri="{FF2B5EF4-FFF2-40B4-BE49-F238E27FC236}">
-                <a16:creationId xmlns:a16="http://schemas.microsoft.com/office/drawing/2014/main" id="{19E1E3F9-54AA-48C0-B4E2-5C3791BD5EA5}"/>
+                <a16:creationId xmlns:a16="http://schemas.microsoft.com/office/drawing/2014/main" xmlns="" id="{19E1E3F9-54AA-48C0-B4E2-5C3791BD5EA5}"/>
               </a:ext>
             </a:extLst>
           </p:cNvPr>
@@ -7561,7 +7616,7 @@
           <p:cNvPr id="34" name="TextBox 33">
             <a:extLst>
               <a:ext uri="{FF2B5EF4-FFF2-40B4-BE49-F238E27FC236}">
-                <a16:creationId xmlns:a16="http://schemas.microsoft.com/office/drawing/2014/main" id="{29B626A9-6434-460E-8BFB-87594220ED28}"/>
+                <a16:creationId xmlns:a16="http://schemas.microsoft.com/office/drawing/2014/main" xmlns="" id="{29B626A9-6434-460E-8BFB-87594220ED28}"/>
               </a:ext>
             </a:extLst>
           </p:cNvPr>
@@ -7689,7 +7744,7 @@
           <p:cNvPr id="35" name="직사각형 34">
             <a:extLst>
               <a:ext uri="{FF2B5EF4-FFF2-40B4-BE49-F238E27FC236}">
-                <a16:creationId xmlns:a16="http://schemas.microsoft.com/office/drawing/2014/main" id="{8C44AC9F-7D70-46FE-9118-5695F58696BD}"/>
+                <a16:creationId xmlns:a16="http://schemas.microsoft.com/office/drawing/2014/main" xmlns="" id="{8C44AC9F-7D70-46FE-9118-5695F58696BD}"/>
               </a:ext>
             </a:extLst>
           </p:cNvPr>
@@ -7982,7 +8037,7 @@
             </a:solidFill>
             <a:extLst>
               <a:ext uri="{C807C97D-BFC1-408E-A445-0C87EB9F89A2}">
-                <ask:lineSketchStyleProps xmlns:ask="http://schemas.microsoft.com/office/drawing/2018/sketchyshapes" sd="3618707280">
+                <ask:lineSketchStyleProps xmlns:ask="http://schemas.microsoft.com/office/drawing/2018/sketchyshapes" xmlns="" sd="3618707280">
                   <a:prstGeom prst="rect">
                     <a:avLst/>
                   </a:prstGeom>
@@ -8054,7 +8109,7 @@
           <p:cNvPr id="2" name="제목 1">
             <a:extLst>
               <a:ext uri="{FF2B5EF4-FFF2-40B4-BE49-F238E27FC236}">
-                <a16:creationId xmlns:a16="http://schemas.microsoft.com/office/drawing/2014/main" id="{787D4B84-40E7-4384-9C9D-35259A439DF3}"/>
+                <a16:creationId xmlns:a16="http://schemas.microsoft.com/office/drawing/2014/main" xmlns="" id="{787D4B84-40E7-4384-9C9D-35259A439DF3}"/>
               </a:ext>
             </a:extLst>
           </p:cNvPr>
@@ -8082,7 +8137,7 @@
           <p:cNvPr id="15" name="TextBox 14">
             <a:extLst>
               <a:ext uri="{FF2B5EF4-FFF2-40B4-BE49-F238E27FC236}">
-                <a16:creationId xmlns:a16="http://schemas.microsoft.com/office/drawing/2014/main" id="{BBA260AC-2913-4AEA-9DA5-BDFC298045A2}"/>
+                <a16:creationId xmlns:a16="http://schemas.microsoft.com/office/drawing/2014/main" xmlns="" id="{BBA260AC-2913-4AEA-9DA5-BDFC298045A2}"/>
               </a:ext>
             </a:extLst>
           </p:cNvPr>
@@ -8125,7 +8180,7 @@
           <p:cNvPr id="18" name="TextBox 17">
             <a:extLst>
               <a:ext uri="{FF2B5EF4-FFF2-40B4-BE49-F238E27FC236}">
-                <a16:creationId xmlns:a16="http://schemas.microsoft.com/office/drawing/2014/main" id="{F6F2E1A4-4792-425C-BECA-A4C4B61ADB7E}"/>
+                <a16:creationId xmlns:a16="http://schemas.microsoft.com/office/drawing/2014/main" xmlns="" id="{F6F2E1A4-4792-425C-BECA-A4C4B61ADB7E}"/>
               </a:ext>
             </a:extLst>
           </p:cNvPr>
@@ -8197,7 +8252,7 @@
           <p:cNvPr id="8" name="그림 7">
             <a:extLst>
               <a:ext uri="{FF2B5EF4-FFF2-40B4-BE49-F238E27FC236}">
-                <a16:creationId xmlns:a16="http://schemas.microsoft.com/office/drawing/2014/main" id="{9A43D2F3-CE5F-4760-8CCC-CCD93386695A}"/>
+                <a16:creationId xmlns:a16="http://schemas.microsoft.com/office/drawing/2014/main" xmlns="" id="{9A43D2F3-CE5F-4760-8CCC-CCD93386695A}"/>
               </a:ext>
             </a:extLst>
           </p:cNvPr>
@@ -8227,7 +8282,7 @@
           <p:cNvPr id="10" name="그림 9">
             <a:extLst>
               <a:ext uri="{FF2B5EF4-FFF2-40B4-BE49-F238E27FC236}">
-                <a16:creationId xmlns:a16="http://schemas.microsoft.com/office/drawing/2014/main" id="{BC8CD7FE-A40E-4722-ADC2-701DB2591FA2}"/>
+                <a16:creationId xmlns:a16="http://schemas.microsoft.com/office/drawing/2014/main" xmlns="" id="{BC8CD7FE-A40E-4722-ADC2-701DB2591FA2}"/>
               </a:ext>
             </a:extLst>
           </p:cNvPr>
@@ -8287,7 +8342,7 @@
           <p:cNvPr id="2" name="제목 1">
             <a:extLst>
               <a:ext uri="{FF2B5EF4-FFF2-40B4-BE49-F238E27FC236}">
-                <a16:creationId xmlns:a16="http://schemas.microsoft.com/office/drawing/2014/main" id="{7E52D4BA-A451-4CE6-9358-6AA9B4922366}"/>
+                <a16:creationId xmlns:a16="http://schemas.microsoft.com/office/drawing/2014/main" xmlns="" id="{7E52D4BA-A451-4CE6-9358-6AA9B4922366}"/>
               </a:ext>
             </a:extLst>
           </p:cNvPr>
@@ -8315,7 +8370,7 @@
           <p:cNvPr id="3" name="TextBox 2">
             <a:extLst>
               <a:ext uri="{FF2B5EF4-FFF2-40B4-BE49-F238E27FC236}">
-                <a16:creationId xmlns:a16="http://schemas.microsoft.com/office/drawing/2014/main" id="{C55AEAB0-F069-4C48-92D0-2134857A8139}"/>
+                <a16:creationId xmlns:a16="http://schemas.microsoft.com/office/drawing/2014/main" xmlns="" id="{C55AEAB0-F069-4C48-92D0-2134857A8139}"/>
               </a:ext>
             </a:extLst>
           </p:cNvPr>
@@ -8350,7 +8405,7 @@
           <p:cNvPr id="6" name="그림 5">
             <a:extLst>
               <a:ext uri="{FF2B5EF4-FFF2-40B4-BE49-F238E27FC236}">
-                <a16:creationId xmlns:a16="http://schemas.microsoft.com/office/drawing/2014/main" id="{A0F90484-8A2B-4D6C-8EF0-15CA4D3D30EA}"/>
+                <a16:creationId xmlns:a16="http://schemas.microsoft.com/office/drawing/2014/main" xmlns="" id="{A0F90484-8A2B-4D6C-8EF0-15CA4D3D30EA}"/>
               </a:ext>
             </a:extLst>
           </p:cNvPr>
@@ -8380,7 +8435,7 @@
           <p:cNvPr id="7" name="TextBox 6">
             <a:extLst>
               <a:ext uri="{FF2B5EF4-FFF2-40B4-BE49-F238E27FC236}">
-                <a16:creationId xmlns:a16="http://schemas.microsoft.com/office/drawing/2014/main" id="{DA95058D-935D-4A33-AC5C-F0049ADB9947}"/>
+                <a16:creationId xmlns:a16="http://schemas.microsoft.com/office/drawing/2014/main" xmlns="" id="{DA95058D-935D-4A33-AC5C-F0049ADB9947}"/>
               </a:ext>
             </a:extLst>
           </p:cNvPr>
@@ -8415,7 +8470,7 @@
           <p:cNvPr id="9" name="그림 8">
             <a:extLst>
               <a:ext uri="{FF2B5EF4-FFF2-40B4-BE49-F238E27FC236}">
-                <a16:creationId xmlns:a16="http://schemas.microsoft.com/office/drawing/2014/main" id="{C2CD6988-0357-49B6-B0CD-D2A3CDC5FA08}"/>
+                <a16:creationId xmlns:a16="http://schemas.microsoft.com/office/drawing/2014/main" xmlns="" id="{C2CD6988-0357-49B6-B0CD-D2A3CDC5FA08}"/>
               </a:ext>
             </a:extLst>
           </p:cNvPr>
@@ -8445,7 +8500,7 @@
           <p:cNvPr id="10" name="TextBox 9">
             <a:extLst>
               <a:ext uri="{FF2B5EF4-FFF2-40B4-BE49-F238E27FC236}">
-                <a16:creationId xmlns:a16="http://schemas.microsoft.com/office/drawing/2014/main" id="{564CA048-DDD0-4BDD-9BA0-FCD99A2B25F4}"/>
+                <a16:creationId xmlns:a16="http://schemas.microsoft.com/office/drawing/2014/main" xmlns="" id="{564CA048-DDD0-4BDD-9BA0-FCD99A2B25F4}"/>
               </a:ext>
             </a:extLst>
           </p:cNvPr>
@@ -8493,6 +8548,10 @@
               <a:rPr lang="ko-KR" altLang="en-US" sz="1200"/>
               <a:t>함수 자체가 식이므로 함수를 변수에 할당할 수도 있고</a:t>
             </a:r>
+            <a:r>
+              <a:rPr lang="en-US" altLang="ko-KR" sz="1200"/>
+              <a:t/>
+            </a:r>
             <a:br>
               <a:rPr lang="en-US" altLang="ko-KR" sz="1200"/>
             </a:br>
@@ -8508,7 +8567,7 @@
           <p:cNvPr id="11" name="TextBox 10">
             <a:extLst>
               <a:ext uri="{FF2B5EF4-FFF2-40B4-BE49-F238E27FC236}">
-                <a16:creationId xmlns:a16="http://schemas.microsoft.com/office/drawing/2014/main" id="{43791277-FF82-4E68-9FFD-EE44C5AD65B3}"/>
+                <a16:creationId xmlns:a16="http://schemas.microsoft.com/office/drawing/2014/main" xmlns="" id="{43791277-FF82-4E68-9FFD-EE44C5AD65B3}"/>
               </a:ext>
             </a:extLst>
           </p:cNvPr>
@@ -8572,7 +8631,7 @@
           <p:cNvPr id="13" name="그림 12">
             <a:extLst>
               <a:ext uri="{FF2B5EF4-FFF2-40B4-BE49-F238E27FC236}">
-                <a16:creationId xmlns:a16="http://schemas.microsoft.com/office/drawing/2014/main" id="{02E8C6ED-D989-46F9-AB07-BF10F4334156}"/>
+                <a16:creationId xmlns:a16="http://schemas.microsoft.com/office/drawing/2014/main" xmlns="" id="{02E8C6ED-D989-46F9-AB07-BF10F4334156}"/>
               </a:ext>
             </a:extLst>
           </p:cNvPr>
@@ -8632,7 +8691,7 @@
           <p:cNvPr id="2" name="제목 1">
             <a:extLst>
               <a:ext uri="{FF2B5EF4-FFF2-40B4-BE49-F238E27FC236}">
-                <a16:creationId xmlns:a16="http://schemas.microsoft.com/office/drawing/2014/main" id="{7E52D4BA-A451-4CE6-9358-6AA9B4922366}"/>
+                <a16:creationId xmlns:a16="http://schemas.microsoft.com/office/drawing/2014/main" xmlns="" id="{7E52D4BA-A451-4CE6-9358-6AA9B4922366}"/>
               </a:ext>
             </a:extLst>
           </p:cNvPr>
@@ -8660,7 +8719,7 @@
           <p:cNvPr id="3" name="TextBox 2">
             <a:extLst>
               <a:ext uri="{FF2B5EF4-FFF2-40B4-BE49-F238E27FC236}">
-                <a16:creationId xmlns:a16="http://schemas.microsoft.com/office/drawing/2014/main" id="{C55AEAB0-F069-4C48-92D0-2134857A8139}"/>
+                <a16:creationId xmlns:a16="http://schemas.microsoft.com/office/drawing/2014/main" xmlns="" id="{C55AEAB0-F069-4C48-92D0-2134857A8139}"/>
               </a:ext>
             </a:extLst>
           </p:cNvPr>
@@ -8695,7 +8754,7 @@
           <p:cNvPr id="10" name="TextBox 9">
             <a:extLst>
               <a:ext uri="{FF2B5EF4-FFF2-40B4-BE49-F238E27FC236}">
-                <a16:creationId xmlns:a16="http://schemas.microsoft.com/office/drawing/2014/main" id="{564CA048-DDD0-4BDD-9BA0-FCD99A2B25F4}"/>
+                <a16:creationId xmlns:a16="http://schemas.microsoft.com/office/drawing/2014/main" xmlns="" id="{564CA048-DDD0-4BDD-9BA0-FCD99A2B25F4}"/>
               </a:ext>
             </a:extLst>
           </p:cNvPr>
@@ -8763,7 +8822,7 @@
           <p:cNvPr id="5" name="그림 4">
             <a:extLst>
               <a:ext uri="{FF2B5EF4-FFF2-40B4-BE49-F238E27FC236}">
-                <a16:creationId xmlns:a16="http://schemas.microsoft.com/office/drawing/2014/main" id="{FDBDDAD4-D871-4F47-A26E-0FDF5C0F73B5}"/>
+                <a16:creationId xmlns:a16="http://schemas.microsoft.com/office/drawing/2014/main" xmlns="" id="{FDBDDAD4-D871-4F47-A26E-0FDF5C0F73B5}"/>
               </a:ext>
             </a:extLst>
           </p:cNvPr>
@@ -8793,7 +8852,7 @@
           <p:cNvPr id="30" name="TextBox 29">
             <a:extLst>
               <a:ext uri="{FF2B5EF4-FFF2-40B4-BE49-F238E27FC236}">
-                <a16:creationId xmlns:a16="http://schemas.microsoft.com/office/drawing/2014/main" id="{5FB896A4-33AF-4676-8555-DE381579DB90}"/>
+                <a16:creationId xmlns:a16="http://schemas.microsoft.com/office/drawing/2014/main" xmlns="" id="{5FB896A4-33AF-4676-8555-DE381579DB90}"/>
               </a:ext>
             </a:extLst>
           </p:cNvPr>
@@ -8955,7 +9014,7 @@
           <p:cNvPr id="31" name="TextBox 30">
             <a:extLst>
               <a:ext uri="{FF2B5EF4-FFF2-40B4-BE49-F238E27FC236}">
-                <a16:creationId xmlns:a16="http://schemas.microsoft.com/office/drawing/2014/main" id="{88113034-E421-4463-AD18-BFC574789B1F}"/>
+                <a16:creationId xmlns:a16="http://schemas.microsoft.com/office/drawing/2014/main" xmlns="" id="{88113034-E421-4463-AD18-BFC574789B1F}"/>
               </a:ext>
             </a:extLst>
           </p:cNvPr>
@@ -9093,7 +9152,7 @@
           <p:cNvPr id="32" name="TextBox 31">
             <a:extLst>
               <a:ext uri="{FF2B5EF4-FFF2-40B4-BE49-F238E27FC236}">
-                <a16:creationId xmlns:a16="http://schemas.microsoft.com/office/drawing/2014/main" id="{49473C0C-4FD6-4A72-9954-A0D65F743BFD}"/>
+                <a16:creationId xmlns:a16="http://schemas.microsoft.com/office/drawing/2014/main" xmlns="" id="{49473C0C-4FD6-4A72-9954-A0D65F743BFD}"/>
               </a:ext>
             </a:extLst>
           </p:cNvPr>
@@ -9215,7 +9274,7 @@
           <p:cNvPr id="33" name="TextBox 32">
             <a:extLst>
               <a:ext uri="{FF2B5EF4-FFF2-40B4-BE49-F238E27FC236}">
-                <a16:creationId xmlns:a16="http://schemas.microsoft.com/office/drawing/2014/main" id="{9BB0D317-D273-4853-93E4-7A740E43606A}"/>
+                <a16:creationId xmlns:a16="http://schemas.microsoft.com/office/drawing/2014/main" xmlns="" id="{9BB0D317-D273-4853-93E4-7A740E43606A}"/>
               </a:ext>
             </a:extLst>
           </p:cNvPr>
@@ -9293,7 +9352,7 @@
           <p:cNvPr id="34" name="화살표: 아래쪽 33">
             <a:extLst>
               <a:ext uri="{FF2B5EF4-FFF2-40B4-BE49-F238E27FC236}">
-                <a16:creationId xmlns:a16="http://schemas.microsoft.com/office/drawing/2014/main" id="{C2E7988C-06A2-4DEC-A721-5724D3EC84D6}"/>
+                <a16:creationId xmlns:a16="http://schemas.microsoft.com/office/drawing/2014/main" xmlns="" id="{C2E7988C-06A2-4DEC-A721-5724D3EC84D6}"/>
               </a:ext>
             </a:extLst>
           </p:cNvPr>
@@ -9339,7 +9398,7 @@
           <p:cNvPr id="35" name="화살표: 아래쪽 34">
             <a:extLst>
               <a:ext uri="{FF2B5EF4-FFF2-40B4-BE49-F238E27FC236}">
-                <a16:creationId xmlns:a16="http://schemas.microsoft.com/office/drawing/2014/main" id="{1702BA3B-465A-4D4C-BFCC-5E5CF68F719E}"/>
+                <a16:creationId xmlns:a16="http://schemas.microsoft.com/office/drawing/2014/main" xmlns="" id="{1702BA3B-465A-4D4C-BFCC-5E5CF68F719E}"/>
               </a:ext>
             </a:extLst>
           </p:cNvPr>
@@ -9385,7 +9444,7 @@
           <p:cNvPr id="36" name="TextBox 35">
             <a:extLst>
               <a:ext uri="{FF2B5EF4-FFF2-40B4-BE49-F238E27FC236}">
-                <a16:creationId xmlns:a16="http://schemas.microsoft.com/office/drawing/2014/main" id="{17F45907-EB28-4DD6-AAA2-E12D03B87DA6}"/>
+                <a16:creationId xmlns:a16="http://schemas.microsoft.com/office/drawing/2014/main" xmlns="" id="{17F45907-EB28-4DD6-AAA2-E12D03B87DA6}"/>
               </a:ext>
             </a:extLst>
           </p:cNvPr>
@@ -9527,7 +9586,7 @@
           <p:cNvPr id="37" name="TextBox 36">
             <a:extLst>
               <a:ext uri="{FF2B5EF4-FFF2-40B4-BE49-F238E27FC236}">
-                <a16:creationId xmlns:a16="http://schemas.microsoft.com/office/drawing/2014/main" id="{AB562DB3-20FD-4700-A6F6-21196B0C7356}"/>
+                <a16:creationId xmlns:a16="http://schemas.microsoft.com/office/drawing/2014/main" xmlns="" id="{AB562DB3-20FD-4700-A6F6-21196B0C7356}"/>
               </a:ext>
             </a:extLst>
           </p:cNvPr>
@@ -9645,7 +9704,7 @@
           <p:cNvPr id="38" name="TextBox 37">
             <a:extLst>
               <a:ext uri="{FF2B5EF4-FFF2-40B4-BE49-F238E27FC236}">
-                <a16:creationId xmlns:a16="http://schemas.microsoft.com/office/drawing/2014/main" id="{4CD1713C-E731-4BE3-BE0C-0BEF28C941E4}"/>
+                <a16:creationId xmlns:a16="http://schemas.microsoft.com/office/drawing/2014/main" xmlns="" id="{4CD1713C-E731-4BE3-BE0C-0BEF28C941E4}"/>
               </a:ext>
             </a:extLst>
           </p:cNvPr>
@@ -9763,7 +9822,7 @@
           <p:cNvPr id="39" name="화살표: 아래쪽 38">
             <a:extLst>
               <a:ext uri="{FF2B5EF4-FFF2-40B4-BE49-F238E27FC236}">
-                <a16:creationId xmlns:a16="http://schemas.microsoft.com/office/drawing/2014/main" id="{5E4F1D94-621F-434E-BFAD-401545763DC7}"/>
+                <a16:creationId xmlns:a16="http://schemas.microsoft.com/office/drawing/2014/main" xmlns="" id="{5E4F1D94-621F-434E-BFAD-401545763DC7}"/>
               </a:ext>
             </a:extLst>
           </p:cNvPr>
@@ -9809,7 +9868,7 @@
           <p:cNvPr id="40" name="화살표: 아래쪽 39">
             <a:extLst>
               <a:ext uri="{FF2B5EF4-FFF2-40B4-BE49-F238E27FC236}">
-                <a16:creationId xmlns:a16="http://schemas.microsoft.com/office/drawing/2014/main" id="{592C76BF-0226-468B-974E-E44EA63FE480}"/>
+                <a16:creationId xmlns:a16="http://schemas.microsoft.com/office/drawing/2014/main" xmlns="" id="{592C76BF-0226-468B-974E-E44EA63FE480}"/>
               </a:ext>
             </a:extLst>
           </p:cNvPr>
@@ -9856,7 +9915,7 @@
           <p:cNvPr id="41" name="TextBox 40">
             <a:extLst>
               <a:ext uri="{FF2B5EF4-FFF2-40B4-BE49-F238E27FC236}">
-                <a16:creationId xmlns:a16="http://schemas.microsoft.com/office/drawing/2014/main" id="{1FB988CA-C6C6-419F-B259-785C683B0626}"/>
+                <a16:creationId xmlns:a16="http://schemas.microsoft.com/office/drawing/2014/main" xmlns="" id="{1FB988CA-C6C6-419F-B259-785C683B0626}"/>
               </a:ext>
             </a:extLst>
           </p:cNvPr>
@@ -9925,7 +9984,7 @@
           <p:cNvPr id="2" name="제목 1">
             <a:extLst>
               <a:ext uri="{FF2B5EF4-FFF2-40B4-BE49-F238E27FC236}">
-                <a16:creationId xmlns:a16="http://schemas.microsoft.com/office/drawing/2014/main" id="{DA24BCC0-0BEA-4665-B270-D4E30C841CAC}"/>
+                <a16:creationId xmlns:a16="http://schemas.microsoft.com/office/drawing/2014/main" xmlns="" id="{DA24BCC0-0BEA-4665-B270-D4E30C841CAC}"/>
               </a:ext>
             </a:extLst>
           </p:cNvPr>
@@ -9953,7 +10012,7 @@
           <p:cNvPr id="3" name="TextBox 2">
             <a:extLst>
               <a:ext uri="{FF2B5EF4-FFF2-40B4-BE49-F238E27FC236}">
-                <a16:creationId xmlns:a16="http://schemas.microsoft.com/office/drawing/2014/main" id="{2FC86AAA-AB48-4B5B-BA6A-DB642FFF3D82}"/>
+                <a16:creationId xmlns:a16="http://schemas.microsoft.com/office/drawing/2014/main" xmlns="" id="{2FC86AAA-AB48-4B5B-BA6A-DB642FFF3D82}"/>
               </a:ext>
             </a:extLst>
           </p:cNvPr>
@@ -9988,7 +10047,7 @@
           <p:cNvPr id="4" name="TextBox 3">
             <a:extLst>
               <a:ext uri="{FF2B5EF4-FFF2-40B4-BE49-F238E27FC236}">
-                <a16:creationId xmlns:a16="http://schemas.microsoft.com/office/drawing/2014/main" id="{200F32F9-B13E-4135-8967-81022FE8749A}"/>
+                <a16:creationId xmlns:a16="http://schemas.microsoft.com/office/drawing/2014/main" xmlns="" id="{200F32F9-B13E-4135-8967-81022FE8749A}"/>
               </a:ext>
             </a:extLst>
           </p:cNvPr>
@@ -10077,7 +10136,7 @@
           <p:cNvPr id="10" name="그림 9">
             <a:extLst>
               <a:ext uri="{FF2B5EF4-FFF2-40B4-BE49-F238E27FC236}">
-                <a16:creationId xmlns:a16="http://schemas.microsoft.com/office/drawing/2014/main" id="{299A0EB9-0055-4EF4-9963-B18C51797BA0}"/>
+                <a16:creationId xmlns:a16="http://schemas.microsoft.com/office/drawing/2014/main" xmlns="" id="{299A0EB9-0055-4EF4-9963-B18C51797BA0}"/>
               </a:ext>
             </a:extLst>
           </p:cNvPr>
@@ -10106,7 +10165,7 @@
           <p:cNvPr id="14" name="그림 13">
             <a:extLst>
               <a:ext uri="{FF2B5EF4-FFF2-40B4-BE49-F238E27FC236}">
-                <a16:creationId xmlns:a16="http://schemas.microsoft.com/office/drawing/2014/main" id="{8D33F9CA-D144-4FC4-A9FB-DB6005AC0C38}"/>
+                <a16:creationId xmlns:a16="http://schemas.microsoft.com/office/drawing/2014/main" xmlns="" id="{8D33F9CA-D144-4FC4-A9FB-DB6005AC0C38}"/>
               </a:ext>
             </a:extLst>
           </p:cNvPr>
@@ -10135,7 +10194,7 @@
           <p:cNvPr id="18" name="그림 17">
             <a:extLst>
               <a:ext uri="{FF2B5EF4-FFF2-40B4-BE49-F238E27FC236}">
-                <a16:creationId xmlns:a16="http://schemas.microsoft.com/office/drawing/2014/main" id="{04F7F67B-5EAB-40C6-8A89-5CBF47B1BF48}"/>
+                <a16:creationId xmlns:a16="http://schemas.microsoft.com/office/drawing/2014/main" xmlns="" id="{04F7F67B-5EAB-40C6-8A89-5CBF47B1BF48}"/>
               </a:ext>
             </a:extLst>
           </p:cNvPr>
@@ -10152,7 +10211,7 @@
         </p:blipFill>
         <p:spPr>
           <a:xfrm>
-            <a:off x="5981025" y="1837886"/>
+            <a:off x="5981024" y="1013708"/>
             <a:ext cx="5304639" cy="2203669"/>
           </a:xfrm>
           <a:prstGeom prst="rect">
@@ -10165,7 +10224,7 @@
           <p:cNvPr id="20" name="그림 19">
             <a:extLst>
               <a:ext uri="{FF2B5EF4-FFF2-40B4-BE49-F238E27FC236}">
-                <a16:creationId xmlns:a16="http://schemas.microsoft.com/office/drawing/2014/main" id="{5C3F7688-BF1D-43D0-B32F-53D46A241B18}"/>
+                <a16:creationId xmlns:a16="http://schemas.microsoft.com/office/drawing/2014/main" xmlns="" id="{5C3F7688-BF1D-43D0-B32F-53D46A241B18}"/>
               </a:ext>
             </a:extLst>
           </p:cNvPr>
@@ -10190,6 +10249,73 @@
           </a:prstGeom>
         </p:spPr>
       </p:pic>
+      <p:sp>
+        <p:nvSpPr>
+          <p:cNvPr id="5" name="TextBox 4"/>
+          <p:cNvSpPr txBox="1"/>
+          <p:nvPr/>
+        </p:nvSpPr>
+        <p:spPr>
+          <a:xfrm>
+            <a:off x="5981025" y="3217377"/>
+            <a:ext cx="5304638" cy="769441"/>
+          </a:xfrm>
+          <a:prstGeom prst="rect">
+            <a:avLst/>
+          </a:prstGeom>
+          <a:noFill/>
+        </p:spPr>
+        <p:txBody>
+          <a:bodyPr wrap="square" rtlCol="0">
+            <a:spAutoFit/>
+          </a:bodyPr>
+          <a:lstStyle/>
+          <a:p>
+            <a:r>
+              <a:rPr lang="ko-KR" altLang="en-US" sz="1100" dirty="0" err="1" smtClean="0"/>
+              <a:t>웹페이지가</a:t>
+            </a:r>
+            <a:r>
+              <a:rPr lang="ko-KR" altLang="en-US" sz="1100" dirty="0" smtClean="0"/>
+              <a:t> 딱 </a:t>
+            </a:r>
+            <a:r>
+              <a:rPr lang="ko-KR" altLang="en-US" sz="1100" dirty="0" err="1" smtClean="0"/>
+              <a:t>뜰때</a:t>
+            </a:r>
+            <a:r>
+              <a:rPr lang="ko-KR" altLang="en-US" sz="1100" dirty="0" smtClean="0"/>
+              <a:t> 주로 사용</a:t>
+            </a:r>
+            <a:endParaRPr lang="en-US" altLang="ko-KR" sz="1100" dirty="0" smtClean="0"/>
+          </a:p>
+          <a:p>
+            <a:endParaRPr lang="en-US" altLang="ko-KR" sz="1100" dirty="0"/>
+          </a:p>
+          <a:p>
+            <a:r>
+              <a:rPr lang="en-US" altLang="ko-KR" sz="1100" dirty="0" err="1" smtClean="0"/>
+              <a:t>Onclick</a:t>
+            </a:r>
+            <a:endParaRPr lang="en-US" altLang="ko-KR" sz="1100" dirty="0" smtClean="0"/>
+          </a:p>
+          <a:p>
+            <a:r>
+              <a:rPr lang="en-US" altLang="ko-KR" sz="1100" dirty="0" err="1" smtClean="0"/>
+              <a:t>Onblur</a:t>
+            </a:r>
+            <a:r>
+              <a:rPr lang="en-US" altLang="ko-KR" sz="1100" dirty="0" smtClean="0"/>
+              <a:t> </a:t>
+            </a:r>
+            <a:r>
+              <a:rPr lang="ko-KR" altLang="en-US" sz="1100" dirty="0" smtClean="0"/>
+              <a:t>를 많이 사용</a:t>
+            </a:r>
+            <a:endParaRPr lang="en-US" altLang="ko-KR" sz="1100" dirty="0"/>
+          </a:p>
+        </p:txBody>
+      </p:sp>
     </p:spTree>
     <p:extLst>
       <p:ext uri="{BB962C8B-B14F-4D97-AF65-F5344CB8AC3E}">
@@ -10492,7 +10618,7 @@
   <a:extraClrSchemeLst/>
   <a:extLst>
     <a:ext uri="{05A4C25C-085E-4340-85A3-A5531E510DB2}">
-      <thm15:themeFamily xmlns:thm15="http://schemas.microsoft.com/office/thememl/2012/main" name="HCJ" id="{0138D6AD-1EF3-49F9-B0E7-D994D6EA1170}" vid="{0129D1E7-6EDF-4F3F-8503-6FA2AFD39B8A}"/>
+      <thm15:themeFamily xmlns:thm15="http://schemas.microsoft.com/office/thememl/2012/main" xmlns="" name="HCJ" id="{0138D6AD-1EF3-49F9-B0E7-D994D6EA1170}" vid="{0129D1E7-6EDF-4F3F-8503-6FA2AFD39B8A}"/>
     </a:ext>
   </a:extLst>
 </a:theme>
